--- a/レイトレ合宿3!!!.pptx
+++ b/レイトレ合宿3!!!.pptx
@@ -11,17 +11,22 @@
     <p:sldId id="258" r:id="rId5"/>
     <p:sldId id="259" r:id="rId6"/>
     <p:sldId id="260" r:id="rId7"/>
-    <p:sldId id="261" r:id="rId8"/>
-    <p:sldId id="262" r:id="rId9"/>
-    <p:sldId id="263" r:id="rId10"/>
-    <p:sldId id="264" r:id="rId11"/>
-    <p:sldId id="271" r:id="rId12"/>
-    <p:sldId id="272" r:id="rId13"/>
-    <p:sldId id="266" r:id="rId14"/>
-    <p:sldId id="265" r:id="rId15"/>
-    <p:sldId id="267" r:id="rId16"/>
-    <p:sldId id="268" r:id="rId17"/>
-    <p:sldId id="269" r:id="rId18"/>
+    <p:sldId id="274" r:id="rId8"/>
+    <p:sldId id="261" r:id="rId9"/>
+    <p:sldId id="262" r:id="rId10"/>
+    <p:sldId id="263" r:id="rId11"/>
+    <p:sldId id="264" r:id="rId12"/>
+    <p:sldId id="275" r:id="rId13"/>
+    <p:sldId id="273" r:id="rId14"/>
+    <p:sldId id="271" r:id="rId15"/>
+    <p:sldId id="272" r:id="rId16"/>
+    <p:sldId id="266" r:id="rId17"/>
+    <p:sldId id="265" r:id="rId18"/>
+    <p:sldId id="267" r:id="rId19"/>
+    <p:sldId id="277" r:id="rId20"/>
+    <p:sldId id="276" r:id="rId21"/>
+    <p:sldId id="268" r:id="rId22"/>
+    <p:sldId id="269" r:id="rId23"/>
   </p:sldIdLst>
   <p:sldSz cx="9144000" cy="6858000" type="screen4x3"/>
   <p:notesSz cx="6858000" cy="9144000"/>
@@ -176,7 +181,7 @@
           <a:bodyPr anchor="b"/>
           <a:lstStyle>
             <a:lvl1pPr algn="r">
-              <a:defRPr>
+              <a:defRPr b="1">
                 <a:latin typeface="メイリオ" panose="020B0604030504040204" pitchFamily="50" charset="-128"/>
                 <a:ea typeface="メイリオ" panose="020B0604030504040204" pitchFamily="50" charset="-128"/>
                 <a:cs typeface="メイリオ" panose="020B0604030504040204" pitchFamily="50" charset="-128"/>
@@ -185,10 +190,10 @@
           </a:lstStyle>
           <a:p>
             <a:r>
-              <a:rPr kumimoji="1" lang="ja-JP" altLang="en-US" smtClean="0"/>
+              <a:rPr kumimoji="1" lang="ja-JP" altLang="en-US" dirty="0" smtClean="0"/>
               <a:t>マスター タイトルの書式設定</a:t>
             </a:r>
-            <a:endParaRPr kumimoji="1" lang="ja-JP" altLang="en-US"/>
+            <a:endParaRPr kumimoji="1" lang="ja-JP" altLang="en-US" dirty="0"/>
           </a:p>
         </p:txBody>
       </p:sp>
@@ -542,7 +547,7 @@
           <a:p>
             <a:fld id="{31C76B30-CD55-4D78-B276-791C08D4B3D1}" type="datetimeFigureOut">
               <a:rPr kumimoji="1" lang="ja-JP" altLang="en-US" smtClean="0"/>
-              <a:t>2015/8/26</a:t>
+              <a:t>2015/8/27</a:t>
             </a:fld>
             <a:endParaRPr kumimoji="1" lang="ja-JP" altLang="en-US"/>
           </a:p>
@@ -754,7 +759,7 @@
           <a:p>
             <a:fld id="{31C76B30-CD55-4D78-B276-791C08D4B3D1}" type="datetimeFigureOut">
               <a:rPr kumimoji="1" lang="ja-JP" altLang="en-US" smtClean="0"/>
-              <a:t>2015/8/26</a:t>
+              <a:t>2015/8/27</a:t>
             </a:fld>
             <a:endParaRPr kumimoji="1" lang="ja-JP" altLang="en-US"/>
           </a:p>
@@ -889,7 +894,7 @@
               <a:spcBef>
                 <a:spcPts val="1500"/>
               </a:spcBef>
-              <a:defRPr>
+              <a:defRPr b="0">
                 <a:latin typeface="メイリオ" panose="020B0604030504040204" pitchFamily="50" charset="-128"/>
                 <a:ea typeface="メイリオ" panose="020B0604030504040204" pitchFamily="50" charset="-128"/>
                 <a:cs typeface="メイリオ" panose="020B0604030504040204" pitchFamily="50" charset="-128"/>
@@ -902,7 +907,7 @@
               <a:spcBef>
                 <a:spcPts val="1500"/>
               </a:spcBef>
-              <a:defRPr>
+              <a:defRPr sz="2600">
                 <a:latin typeface="メイリオ" panose="020B0604030504040204" pitchFamily="50" charset="-128"/>
                 <a:ea typeface="メイリオ" panose="020B0604030504040204" pitchFamily="50" charset="-128"/>
                 <a:cs typeface="メイリオ" panose="020B0604030504040204" pitchFamily="50" charset="-128"/>
@@ -915,7 +920,7 @@
               <a:spcBef>
                 <a:spcPts val="1500"/>
               </a:spcBef>
-              <a:defRPr>
+              <a:defRPr sz="2000">
                 <a:latin typeface="メイリオ" panose="020B0604030504040204" pitchFamily="50" charset="-128"/>
                 <a:ea typeface="メイリオ" panose="020B0604030504040204" pitchFamily="50" charset="-128"/>
                 <a:cs typeface="メイリオ" panose="020B0604030504040204" pitchFamily="50" charset="-128"/>
@@ -951,70 +956,70 @@
           <a:p>
             <a:pPr lvl="0"/>
             <a:r>
-              <a:rPr kumimoji="1" lang="ja-JP" altLang="en-US" smtClean="0"/>
+              <a:rPr kumimoji="1" lang="ja-JP" altLang="en-US" dirty="0" smtClean="0"/>
               <a:t>マスター テキストの書式設定</a:t>
             </a:r>
           </a:p>
           <a:p>
             <a:pPr lvl="1"/>
             <a:r>
-              <a:rPr kumimoji="1" lang="ja-JP" altLang="en-US" smtClean="0"/>
+              <a:rPr kumimoji="1" lang="ja-JP" altLang="en-US" dirty="0" smtClean="0"/>
               <a:t>第 </a:t>
             </a:r>
             <a:r>
-              <a:rPr kumimoji="1" lang="en-US" altLang="ja-JP" smtClean="0"/>
+              <a:rPr kumimoji="1" lang="en-US" altLang="ja-JP" dirty="0" smtClean="0"/>
               <a:t>2 </a:t>
             </a:r>
             <a:r>
-              <a:rPr kumimoji="1" lang="ja-JP" altLang="en-US" smtClean="0"/>
+              <a:rPr kumimoji="1" lang="ja-JP" altLang="en-US" dirty="0" smtClean="0"/>
               <a:t>レベル</a:t>
             </a:r>
           </a:p>
           <a:p>
             <a:pPr lvl="2"/>
             <a:r>
-              <a:rPr kumimoji="1" lang="ja-JP" altLang="en-US" smtClean="0"/>
+              <a:rPr kumimoji="1" lang="ja-JP" altLang="en-US" dirty="0" smtClean="0"/>
               <a:t>第 </a:t>
             </a:r>
             <a:r>
-              <a:rPr kumimoji="1" lang="en-US" altLang="ja-JP" smtClean="0"/>
+              <a:rPr kumimoji="1" lang="en-US" altLang="ja-JP" dirty="0" smtClean="0"/>
               <a:t>3 </a:t>
             </a:r>
             <a:r>
-              <a:rPr kumimoji="1" lang="ja-JP" altLang="en-US" smtClean="0"/>
+              <a:rPr kumimoji="1" lang="ja-JP" altLang="en-US" dirty="0" smtClean="0"/>
               <a:t>レベル</a:t>
             </a:r>
           </a:p>
           <a:p>
             <a:pPr lvl="3"/>
             <a:r>
-              <a:rPr kumimoji="1" lang="ja-JP" altLang="en-US" smtClean="0"/>
+              <a:rPr kumimoji="1" lang="ja-JP" altLang="en-US" dirty="0" smtClean="0"/>
               <a:t>第 </a:t>
             </a:r>
             <a:r>
-              <a:rPr kumimoji="1" lang="en-US" altLang="ja-JP" smtClean="0"/>
+              <a:rPr kumimoji="1" lang="en-US" altLang="ja-JP" dirty="0" smtClean="0"/>
               <a:t>4 </a:t>
             </a:r>
             <a:r>
-              <a:rPr kumimoji="1" lang="ja-JP" altLang="en-US" smtClean="0"/>
+              <a:rPr kumimoji="1" lang="ja-JP" altLang="en-US" dirty="0" smtClean="0"/>
               <a:t>レベル</a:t>
             </a:r>
           </a:p>
           <a:p>
             <a:pPr lvl="4"/>
             <a:r>
-              <a:rPr kumimoji="1" lang="ja-JP" altLang="en-US" smtClean="0"/>
+              <a:rPr kumimoji="1" lang="ja-JP" altLang="en-US" dirty="0" smtClean="0"/>
               <a:t>第 </a:t>
             </a:r>
             <a:r>
-              <a:rPr kumimoji="1" lang="en-US" altLang="ja-JP" smtClean="0"/>
+              <a:rPr kumimoji="1" lang="en-US" altLang="ja-JP" dirty="0" smtClean="0"/>
               <a:t>5 </a:t>
             </a:r>
             <a:r>
-              <a:rPr kumimoji="1" lang="ja-JP" altLang="en-US" smtClean="0"/>
+              <a:rPr kumimoji="1" lang="ja-JP" altLang="en-US" dirty="0" smtClean="0"/>
               <a:t>レベル</a:t>
             </a:r>
-            <a:endParaRPr kumimoji="1" lang="ja-JP" altLang="en-US"/>
+            <a:endParaRPr kumimoji="1" lang="ja-JP" altLang="en-US" dirty="0"/>
           </a:p>
         </p:txBody>
       </p:sp>
@@ -1285,7 +1290,7 @@
           <a:p>
             <a:fld id="{31C76B30-CD55-4D78-B276-791C08D4B3D1}" type="datetimeFigureOut">
               <a:rPr kumimoji="1" lang="ja-JP" altLang="en-US" smtClean="0"/>
-              <a:t>2015/8/26</a:t>
+              <a:t>2015/8/27</a:t>
             </a:fld>
             <a:endParaRPr kumimoji="1" lang="ja-JP" altLang="en-US"/>
           </a:p>
@@ -1637,7 +1642,7 @@
           <a:p>
             <a:fld id="{31C76B30-CD55-4D78-B276-791C08D4B3D1}" type="datetimeFigureOut">
               <a:rPr kumimoji="1" lang="ja-JP" altLang="en-US" smtClean="0"/>
-              <a:t>2015/8/26</a:t>
+              <a:t>2015/8/27</a:t>
             </a:fld>
             <a:endParaRPr kumimoji="1" lang="ja-JP" altLang="en-US"/>
           </a:p>
@@ -2123,7 +2128,7 @@
           <a:p>
             <a:fld id="{31C76B30-CD55-4D78-B276-791C08D4B3D1}" type="datetimeFigureOut">
               <a:rPr kumimoji="1" lang="ja-JP" altLang="en-US" smtClean="0"/>
-              <a:t>2015/8/26</a:t>
+              <a:t>2015/8/27</a:t>
             </a:fld>
             <a:endParaRPr kumimoji="1" lang="ja-JP" altLang="en-US"/>
           </a:p>
@@ -2241,7 +2246,7 @@
           <a:p>
             <a:fld id="{31C76B30-CD55-4D78-B276-791C08D4B3D1}" type="datetimeFigureOut">
               <a:rPr kumimoji="1" lang="ja-JP" altLang="en-US" smtClean="0"/>
-              <a:t>2015/8/26</a:t>
+              <a:t>2015/8/27</a:t>
             </a:fld>
             <a:endParaRPr kumimoji="1" lang="ja-JP" altLang="en-US"/>
           </a:p>
@@ -2336,7 +2341,7 @@
           <a:p>
             <a:fld id="{31C76B30-CD55-4D78-B276-791C08D4B3D1}" type="datetimeFigureOut">
               <a:rPr kumimoji="1" lang="ja-JP" altLang="en-US" smtClean="0"/>
-              <a:t>2015/8/26</a:t>
+              <a:t>2015/8/27</a:t>
             </a:fld>
             <a:endParaRPr kumimoji="1" lang="ja-JP" altLang="en-US"/>
           </a:p>
@@ -2645,7 +2650,7 @@
           <a:p>
             <a:fld id="{31C76B30-CD55-4D78-B276-791C08D4B3D1}" type="datetimeFigureOut">
               <a:rPr kumimoji="1" lang="ja-JP" altLang="en-US" smtClean="0"/>
-              <a:t>2015/8/26</a:t>
+              <a:t>2015/8/27</a:t>
             </a:fld>
             <a:endParaRPr kumimoji="1" lang="ja-JP" altLang="en-US"/>
           </a:p>
@@ -2902,7 +2907,7 @@
           <a:p>
             <a:fld id="{31C76B30-CD55-4D78-B276-791C08D4B3D1}" type="datetimeFigureOut">
               <a:rPr kumimoji="1" lang="ja-JP" altLang="en-US" smtClean="0"/>
-              <a:t>2015/8/26</a:t>
+              <a:t>2015/8/27</a:t>
             </a:fld>
             <a:endParaRPr kumimoji="1" lang="ja-JP" altLang="en-US"/>
           </a:p>
@@ -3147,7 +3152,7 @@
           <a:p>
             <a:fld id="{31C76B30-CD55-4D78-B276-791C08D4B3D1}" type="datetimeFigureOut">
               <a:rPr kumimoji="1" lang="ja-JP" altLang="en-US" smtClean="0"/>
-              <a:t>2015/8/26</a:t>
+              <a:t>2015/8/27</a:t>
             </a:fld>
             <a:endParaRPr kumimoji="1" lang="ja-JP" altLang="en-US"/>
           </a:p>
@@ -3652,12 +3657,8 @@
               <a:t>IBL</a:t>
             </a:r>
             <a:r>
-              <a:rPr lang="ja-JP" altLang="en-US" dirty="0"/>
-              <a:t>を</a:t>
-            </a:r>
-            <a:r>
               <a:rPr kumimoji="1" lang="ja-JP" altLang="en-US" dirty="0" smtClean="0"/>
-              <a:t>実装</a:t>
+              <a:t>を実装</a:t>
             </a:r>
             <a:endParaRPr kumimoji="1" lang="ja-JP" altLang="en-US" dirty="0"/>
           </a:p>
@@ -3682,29 +3683,37 @@
               <a:rPr lang="en-US" altLang="ja-JP" dirty="0">
                 <a:hlinkClick r:id="rId2"/>
               </a:rPr>
-              <a:t>http://www.graphics.cornell.edu/online/formats/rgbe</a:t>
+              <a:t>http://</a:t>
             </a:r>
             <a:r>
               <a:rPr lang="en-US" altLang="ja-JP" dirty="0" smtClean="0">
                 <a:hlinkClick r:id="rId2"/>
               </a:rPr>
-              <a:t>/</a:t>
+              <a:t>qiita.com/omochi64/items/9ecc666f6cb4765443fb</a:t>
             </a:r>
             <a:endParaRPr lang="en-US" altLang="ja-JP" dirty="0" smtClean="0"/>
           </a:p>
           <a:p>
             <a:pPr lvl="1"/>
             <a:r>
+              <a:rPr lang="ja-JP" altLang="en-US" dirty="0"/>
+              <a:t>お餅さんの</a:t>
+            </a:r>
+            <a:r>
               <a:rPr lang="en-US" altLang="ja-JP" dirty="0"/>
-              <a:t>HDR</a:t>
-            </a:r>
-            <a:r>
-              <a:rPr lang="ja-JP" altLang="en-US" dirty="0" smtClean="0"/>
-              <a:t>画像の取り扱いは、ここのソースを修正して使った。多謝</a:t>
-            </a:r>
-            <a:r>
-              <a:rPr lang="en-US" altLang="ja-JP" dirty="0" smtClean="0"/>
-              <a:t>!!</a:t>
+              <a:t>IBL</a:t>
+            </a:r>
+            <a:r>
+              <a:rPr lang="ja-JP" altLang="en-US" dirty="0"/>
+              <a:t>の実装がとても参考になりました</a:t>
+            </a:r>
+            <a:r>
+              <a:rPr lang="en-US" altLang="ja-JP" dirty="0"/>
+              <a:t>!! </a:t>
+            </a:r>
+            <a:r>
+              <a:rPr lang="ja-JP" altLang="en-US" dirty="0"/>
+              <a:t>多謝</a:t>
             </a:r>
             <a:endParaRPr kumimoji="1" lang="ja-JP" altLang="en-US" dirty="0"/>
           </a:p>
@@ -3713,7 +3722,7 @@
     </p:spTree>
     <p:extLst>
       <p:ext uri="{BB962C8B-B14F-4D97-AF65-F5344CB8AC3E}">
-        <p14:creationId xmlns:p14="http://schemas.microsoft.com/office/powerpoint/2010/main" val="1362041344"/>
+        <p14:creationId xmlns:p14="http://schemas.microsoft.com/office/powerpoint/2010/main" val="982347936"/>
       </p:ext>
     </p:extLst>
   </p:cSld>
@@ -3763,6 +3772,244 @@
           <a:lstStyle/>
           <a:p>
             <a:r>
+              <a:rPr kumimoji="1" lang="en-US" altLang="ja-JP" dirty="0" smtClean="0"/>
+              <a:t>IBL</a:t>
+            </a:r>
+            <a:r>
+              <a:rPr lang="ja-JP" altLang="en-US" dirty="0"/>
+              <a:t>を</a:t>
+            </a:r>
+            <a:r>
+              <a:rPr kumimoji="1" lang="ja-JP" altLang="en-US" dirty="0" smtClean="0"/>
+              <a:t>実装</a:t>
+            </a:r>
+            <a:endParaRPr kumimoji="1" lang="ja-JP" altLang="en-US" dirty="0"/>
+          </a:p>
+        </p:txBody>
+      </p:sp>
+      <p:sp>
+        <p:nvSpPr>
+          <p:cNvPr id="3" name="コンテンツ プレースホルダー 2"/>
+          <p:cNvSpPr>
+            <a:spLocks noGrp="1"/>
+          </p:cNvSpPr>
+          <p:nvPr>
+            <p:ph idx="1"/>
+          </p:nvPr>
+        </p:nvSpPr>
+        <p:spPr/>
+        <p:txBody>
+          <a:bodyPr/>
+          <a:lstStyle/>
+          <a:p>
+            <a:r>
+              <a:rPr lang="en-US" altLang="ja-JP" dirty="0">
+                <a:hlinkClick r:id="rId2"/>
+              </a:rPr>
+              <a:t>http://www.graphics.cornell.edu/online/formats/rgbe</a:t>
+            </a:r>
+            <a:r>
+              <a:rPr lang="en-US" altLang="ja-JP" dirty="0" smtClean="0">
+                <a:hlinkClick r:id="rId2"/>
+              </a:rPr>
+              <a:t>/</a:t>
+            </a:r>
+            <a:endParaRPr lang="en-US" altLang="ja-JP" dirty="0" smtClean="0"/>
+          </a:p>
+          <a:p>
+            <a:pPr lvl="1"/>
+            <a:r>
+              <a:rPr lang="en-US" altLang="ja-JP" dirty="0"/>
+              <a:t>HDR</a:t>
+            </a:r>
+            <a:r>
+              <a:rPr lang="ja-JP" altLang="en-US" dirty="0" smtClean="0"/>
+              <a:t>画像の取り扱いは、ここのソースを修正して使った。多謝</a:t>
+            </a:r>
+            <a:r>
+              <a:rPr lang="en-US" altLang="ja-JP" dirty="0" smtClean="0"/>
+              <a:t>!!</a:t>
+            </a:r>
+            <a:endParaRPr kumimoji="1" lang="ja-JP" altLang="en-US" dirty="0"/>
+          </a:p>
+        </p:txBody>
+      </p:sp>
+    </p:spTree>
+    <p:extLst>
+      <p:ext uri="{BB962C8B-B14F-4D97-AF65-F5344CB8AC3E}">
+        <p14:creationId xmlns:p14="http://schemas.microsoft.com/office/powerpoint/2010/main" val="1362041344"/>
+      </p:ext>
+    </p:extLst>
+  </p:cSld>
+  <p:clrMapOvr>
+    <a:masterClrMapping/>
+  </p:clrMapOvr>
+  <p:timing>
+    <p:tnLst>
+      <p:par>
+        <p:cTn id="1" dur="indefinite" restart="never" nodeType="tmRoot"/>
+      </p:par>
+    </p:tnLst>
+  </p:timing>
+</p:sld>
+</file>
+
+<file path=ppt/slides/slide12.xml><?xml version="1.0" encoding="utf-8"?>
+<p:sld xmlns:a="http://schemas.openxmlformats.org/drawingml/2006/main" xmlns:r="http://schemas.openxmlformats.org/officeDocument/2006/relationships" xmlns:p="http://schemas.openxmlformats.org/presentationml/2006/main">
+  <p:cSld>
+    <p:spTree>
+      <p:nvGrpSpPr>
+        <p:cNvPr id="1" name=""/>
+        <p:cNvGrpSpPr/>
+        <p:nvPr/>
+      </p:nvGrpSpPr>
+      <p:grpSpPr>
+        <a:xfrm>
+          <a:off x="0" y="0"/>
+          <a:ext cx="0" cy="0"/>
+          <a:chOff x="0" y="0"/>
+          <a:chExt cx="0" cy="0"/>
+        </a:xfrm>
+      </p:grpSpPr>
+      <p:sp>
+        <p:nvSpPr>
+          <p:cNvPr id="2" name="タイトル 1"/>
+          <p:cNvSpPr>
+            <a:spLocks noGrp="1"/>
+          </p:cNvSpPr>
+          <p:nvPr>
+            <p:ph type="title"/>
+          </p:nvPr>
+        </p:nvSpPr>
+        <p:spPr/>
+        <p:txBody>
+          <a:bodyPr/>
+          <a:lstStyle/>
+          <a:p>
+            <a:r>
+              <a:rPr kumimoji="1" lang="ja-JP" altLang="en-US" dirty="0" smtClean="0"/>
+              <a:t>食い違い行列の再実装</a:t>
+            </a:r>
+            <a:endParaRPr kumimoji="1" lang="ja-JP" altLang="en-US" dirty="0"/>
+          </a:p>
+        </p:txBody>
+      </p:sp>
+      <p:sp>
+        <p:nvSpPr>
+          <p:cNvPr id="3" name="コンテンツ プレースホルダー 2"/>
+          <p:cNvSpPr>
+            <a:spLocks noGrp="1"/>
+          </p:cNvSpPr>
+          <p:nvPr>
+            <p:ph idx="1"/>
+          </p:nvPr>
+        </p:nvSpPr>
+        <p:spPr/>
+        <p:txBody>
+          <a:bodyPr/>
+          <a:lstStyle/>
+          <a:p>
+            <a:r>
+              <a:rPr lang="en-US" altLang="ja-JP" dirty="0">
+                <a:hlinkClick r:id="rId2"/>
+              </a:rPr>
+              <a:t>https://</a:t>
+            </a:r>
+            <a:r>
+              <a:rPr lang="en-US" altLang="ja-JP" dirty="0" smtClean="0">
+                <a:hlinkClick r:id="rId2"/>
+              </a:rPr>
+              <a:t>github.com/githole/simple-pathtracer/tree/simple-pathtracer-QMC</a:t>
+            </a:r>
+            <a:endParaRPr lang="en-US" altLang="ja-JP" dirty="0" smtClean="0"/>
+          </a:p>
+          <a:p>
+            <a:pPr lvl="1"/>
+            <a:r>
+              <a:rPr lang="en-US" altLang="ja-JP" dirty="0"/>
+              <a:t>h</a:t>
+            </a:r>
+            <a:r>
+              <a:rPr kumimoji="1" lang="en-US" altLang="ja-JP" dirty="0" smtClean="0"/>
+              <a:t>ole</a:t>
+            </a:r>
+            <a:r>
+              <a:rPr kumimoji="1" lang="ja-JP" altLang="en-US" dirty="0" err="1" smtClean="0"/>
+              <a:t>さんの</a:t>
+            </a:r>
+            <a:r>
+              <a:rPr kumimoji="1" lang="en-US" altLang="ja-JP" dirty="0" smtClean="0"/>
+              <a:t>QMC</a:t>
+            </a:r>
+            <a:r>
+              <a:rPr kumimoji="1" lang="ja-JP" altLang="en-US" dirty="0" smtClean="0"/>
+              <a:t>の実装がたいへん参考になりました</a:t>
+            </a:r>
+            <a:r>
+              <a:rPr kumimoji="1" lang="en-US" altLang="ja-JP" dirty="0" smtClean="0"/>
+              <a:t>!! </a:t>
+            </a:r>
+            <a:r>
+              <a:rPr kumimoji="1" lang="ja-JP" altLang="en-US" dirty="0" smtClean="0"/>
+              <a:t>多謝</a:t>
+            </a:r>
+            <a:endParaRPr kumimoji="1" lang="ja-JP" altLang="en-US" dirty="0"/>
+          </a:p>
+        </p:txBody>
+      </p:sp>
+    </p:spTree>
+    <p:extLst>
+      <p:ext uri="{BB962C8B-B14F-4D97-AF65-F5344CB8AC3E}">
+        <p14:creationId xmlns:p14="http://schemas.microsoft.com/office/powerpoint/2010/main" val="1801749132"/>
+      </p:ext>
+    </p:extLst>
+  </p:cSld>
+  <p:clrMapOvr>
+    <a:masterClrMapping/>
+  </p:clrMapOvr>
+  <p:timing>
+    <p:tnLst>
+      <p:par>
+        <p:cTn id="1" dur="indefinite" restart="never" nodeType="tmRoot"/>
+      </p:par>
+    </p:tnLst>
+  </p:timing>
+</p:sld>
+</file>
+
+<file path=ppt/slides/slide13.xml><?xml version="1.0" encoding="utf-8"?>
+<p:sld xmlns:a="http://schemas.openxmlformats.org/drawingml/2006/main" xmlns:r="http://schemas.openxmlformats.org/officeDocument/2006/relationships" xmlns:p="http://schemas.openxmlformats.org/presentationml/2006/main">
+  <p:cSld>
+    <p:spTree>
+      <p:nvGrpSpPr>
+        <p:cNvPr id="1" name=""/>
+        <p:cNvGrpSpPr/>
+        <p:nvPr/>
+      </p:nvGrpSpPr>
+      <p:grpSpPr>
+        <a:xfrm>
+          <a:off x="0" y="0"/>
+          <a:ext cx="0" cy="0"/>
+          <a:chOff x="0" y="0"/>
+          <a:chExt cx="0" cy="0"/>
+        </a:xfrm>
+      </p:grpSpPr>
+      <p:sp>
+        <p:nvSpPr>
+          <p:cNvPr id="2" name="タイトル 1"/>
+          <p:cNvSpPr>
+            <a:spLocks noGrp="1"/>
+          </p:cNvSpPr>
+          <p:nvPr>
+            <p:ph type="title"/>
+          </p:nvPr>
+        </p:nvSpPr>
+        <p:spPr/>
+        <p:txBody>
+          <a:bodyPr/>
+          <a:lstStyle/>
+          <a:p>
+            <a:r>
               <a:rPr kumimoji="1" lang="ja-JP" altLang="en-US" dirty="0" smtClean="0"/>
               <a:t>レイトレーサーの特徴</a:t>
             </a:r>
@@ -3785,6 +4032,99 @@
           <a:bodyPr/>
           <a:lstStyle/>
           <a:p>
+            <a:endParaRPr kumimoji="1" lang="ja-JP" altLang="en-US"/>
+          </a:p>
+        </p:txBody>
+      </p:sp>
+    </p:spTree>
+    <p:extLst>
+      <p:ext uri="{BB962C8B-B14F-4D97-AF65-F5344CB8AC3E}">
+        <p14:creationId xmlns:p14="http://schemas.microsoft.com/office/powerpoint/2010/main" val="1891187805"/>
+      </p:ext>
+    </p:extLst>
+  </p:cSld>
+  <p:clrMapOvr>
+    <a:masterClrMapping/>
+  </p:clrMapOvr>
+  <p:timing>
+    <p:tnLst>
+      <p:par>
+        <p:cTn id="1" dur="indefinite" restart="never" nodeType="tmRoot"/>
+      </p:par>
+    </p:tnLst>
+  </p:timing>
+</p:sld>
+</file>
+
+<file path=ppt/slides/slide14.xml><?xml version="1.0" encoding="utf-8"?>
+<p:sld xmlns:a="http://schemas.openxmlformats.org/drawingml/2006/main" xmlns:r="http://schemas.openxmlformats.org/officeDocument/2006/relationships" xmlns:p="http://schemas.openxmlformats.org/presentationml/2006/main">
+  <p:cSld>
+    <p:spTree>
+      <p:nvGrpSpPr>
+        <p:cNvPr id="1" name=""/>
+        <p:cNvGrpSpPr/>
+        <p:nvPr/>
+      </p:nvGrpSpPr>
+      <p:grpSpPr>
+        <a:xfrm>
+          <a:off x="0" y="0"/>
+          <a:ext cx="0" cy="0"/>
+          <a:chOff x="0" y="0"/>
+          <a:chExt cx="0" cy="0"/>
+        </a:xfrm>
+      </p:grpSpPr>
+      <p:sp>
+        <p:nvSpPr>
+          <p:cNvPr id="2" name="タイトル 1"/>
+          <p:cNvSpPr>
+            <a:spLocks noGrp="1"/>
+          </p:cNvSpPr>
+          <p:nvPr>
+            <p:ph type="title"/>
+          </p:nvPr>
+        </p:nvSpPr>
+        <p:spPr/>
+        <p:txBody>
+          <a:bodyPr/>
+          <a:lstStyle/>
+          <a:p>
+            <a:r>
+              <a:rPr kumimoji="1" lang="ja-JP" altLang="en-US" dirty="0" smtClean="0"/>
+              <a:t>レイトレーサーの特徴</a:t>
+            </a:r>
+            <a:endParaRPr kumimoji="1" lang="ja-JP" altLang="en-US" dirty="0"/>
+          </a:p>
+        </p:txBody>
+      </p:sp>
+      <p:sp>
+        <p:nvSpPr>
+          <p:cNvPr id="3" name="コンテンツ プレースホルダー 2"/>
+          <p:cNvSpPr>
+            <a:spLocks noGrp="1"/>
+          </p:cNvSpPr>
+          <p:nvPr>
+            <p:ph idx="1"/>
+          </p:nvPr>
+        </p:nvSpPr>
+        <p:spPr/>
+        <p:txBody>
+          <a:bodyPr/>
+          <a:lstStyle/>
+          <a:p>
+            <a:r>
+              <a:rPr kumimoji="1" lang="ja-JP" altLang="en-US" dirty="0" smtClean="0"/>
+              <a:t>乱数に食い違い行列</a:t>
+            </a:r>
+            <a:r>
+              <a:rPr kumimoji="1" lang="en-US" altLang="ja-JP" dirty="0" smtClean="0"/>
+              <a:t>(QMC)</a:t>
+            </a:r>
+            <a:r>
+              <a:rPr kumimoji="1" lang="ja-JP" altLang="en-US" dirty="0" smtClean="0"/>
+              <a:t>を利用したパストレーシング</a:t>
+            </a:r>
+          </a:p>
+          <a:p>
             <a:r>
               <a:rPr kumimoji="1" lang="en-US" altLang="ja-JP" dirty="0" smtClean="0"/>
               <a:t>Windows</a:t>
@@ -3807,13 +4147,9 @@
             <a:pPr lvl="1"/>
             <a:r>
               <a:rPr kumimoji="1" lang="ja-JP" altLang="en-US" dirty="0" smtClean="0"/>
-              <a:t>どちら</a:t>
-            </a:r>
-            <a:r>
-              <a:rPr kumimoji="1" lang="ja-JP" altLang="en-US" dirty="0" smtClean="0"/>
-              <a:t>でも実行できる</a:t>
-            </a:r>
-            <a:endParaRPr kumimoji="1" lang="ja-JP" altLang="en-US" dirty="0"/>
+              <a:t>どちらでも実行できる</a:t>
+            </a:r>
+            <a:endParaRPr kumimoji="1" lang="en-US" altLang="ja-JP" dirty="0" smtClean="0"/>
           </a:p>
         </p:txBody>
       </p:sp>
@@ -3837,7 +4173,7 @@
 </p:sld>
 </file>
 
-<file path=ppt/slides/slide12.xml><?xml version="1.0" encoding="utf-8"?>
+<file path=ppt/slides/slide15.xml><?xml version="1.0" encoding="utf-8"?>
 <p:sld xmlns:a="http://schemas.openxmlformats.org/drawingml/2006/main" xmlns:r="http://schemas.openxmlformats.org/officeDocument/2006/relationships" xmlns:p="http://schemas.openxmlformats.org/presentationml/2006/main">
   <p:cSld>
     <p:spTree>
@@ -3926,454 +4262,6 @@
 </p:sld>
 </file>
 
-<file path=ppt/slides/slide13.xml><?xml version="1.0" encoding="utf-8"?>
-<p:sld xmlns:a="http://schemas.openxmlformats.org/drawingml/2006/main" xmlns:r="http://schemas.openxmlformats.org/officeDocument/2006/relationships" xmlns:p="http://schemas.openxmlformats.org/presentationml/2006/main">
-  <p:cSld>
-    <p:spTree>
-      <p:nvGrpSpPr>
-        <p:cNvPr id="1" name=""/>
-        <p:cNvGrpSpPr/>
-        <p:nvPr/>
-      </p:nvGrpSpPr>
-      <p:grpSpPr>
-        <a:xfrm>
-          <a:off x="0" y="0"/>
-          <a:ext cx="0" cy="0"/>
-          <a:chOff x="0" y="0"/>
-          <a:chExt cx="0" cy="0"/>
-        </a:xfrm>
-      </p:grpSpPr>
-      <p:sp>
-        <p:nvSpPr>
-          <p:cNvPr id="2" name="タイトル 1"/>
-          <p:cNvSpPr>
-            <a:spLocks noGrp="1"/>
-          </p:cNvSpPr>
-          <p:nvPr>
-            <p:ph type="title"/>
-          </p:nvPr>
-        </p:nvSpPr>
-        <p:spPr/>
-        <p:txBody>
-          <a:bodyPr>
-            <a:normAutofit/>
-          </a:bodyPr>
-          <a:lstStyle/>
-          <a:p>
-            <a:r>
-              <a:rPr kumimoji="1" lang="ja-JP" altLang="en-US" dirty="0" smtClean="0"/>
-              <a:t>レイトレーサーの特徴</a:t>
-            </a:r>
-            <a:endParaRPr kumimoji="1" lang="ja-JP" altLang="en-US" dirty="0"/>
-          </a:p>
-        </p:txBody>
-      </p:sp>
-      <p:sp>
-        <p:nvSpPr>
-          <p:cNvPr id="3" name="コンテンツ プレースホルダー 2"/>
-          <p:cNvSpPr>
-            <a:spLocks noGrp="1"/>
-          </p:cNvSpPr>
-          <p:nvPr>
-            <p:ph idx="1"/>
-          </p:nvPr>
-        </p:nvSpPr>
-        <p:spPr/>
-        <p:txBody>
-          <a:bodyPr/>
-          <a:lstStyle/>
-          <a:p>
-            <a:r>
-              <a:rPr kumimoji="1" lang="en-US" altLang="ja-JP" dirty="0" smtClean="0"/>
-              <a:t>OSX</a:t>
-            </a:r>
-            <a:r>
-              <a:rPr kumimoji="1" lang="ja-JP" altLang="en-US" dirty="0" smtClean="0"/>
-              <a:t>の</a:t>
-            </a:r>
-            <a:r>
-              <a:rPr kumimoji="1" lang="en-US" altLang="ja-JP" dirty="0" smtClean="0"/>
-              <a:t>Cheetah3D</a:t>
-            </a:r>
-            <a:r>
-              <a:rPr kumimoji="1" lang="ja-JP" altLang="en-US" dirty="0" smtClean="0"/>
-              <a:t>というアプリでモデルデータを用意</a:t>
-            </a:r>
-            <a:endParaRPr kumimoji="1" lang="en-US" altLang="ja-JP" dirty="0" smtClean="0"/>
-          </a:p>
-          <a:p>
-            <a:pPr lvl="1"/>
-            <a:r>
-              <a:rPr lang="ja-JP" altLang="en-US" dirty="0" smtClean="0"/>
-              <a:t>このアプリで</a:t>
-            </a:r>
-            <a:r>
-              <a:rPr lang="ja-JP" altLang="en-US" dirty="0"/>
-              <a:t>の</a:t>
-            </a:r>
-            <a:r>
-              <a:rPr lang="ja-JP" altLang="en-US" dirty="0" smtClean="0"/>
-              <a:t>レンダリング結果となるべく同じになるのを目指した</a:t>
-            </a:r>
-            <a:endParaRPr kumimoji="1" lang="ja-JP" altLang="en-US" dirty="0"/>
-          </a:p>
-        </p:txBody>
-      </p:sp>
-    </p:spTree>
-    <p:extLst>
-      <p:ext uri="{BB962C8B-B14F-4D97-AF65-F5344CB8AC3E}">
-        <p14:creationId xmlns:p14="http://schemas.microsoft.com/office/powerpoint/2010/main" val="2514327023"/>
-      </p:ext>
-    </p:extLst>
-  </p:cSld>
-  <p:clrMapOvr>
-    <a:masterClrMapping/>
-  </p:clrMapOvr>
-  <p:timing>
-    <p:tnLst>
-      <p:par>
-        <p:cTn id="1" dur="indefinite" restart="never" nodeType="tmRoot"/>
-      </p:par>
-    </p:tnLst>
-  </p:timing>
-</p:sld>
-</file>
-
-<file path=ppt/slides/slide14.xml><?xml version="1.0" encoding="utf-8"?>
-<p:sld xmlns:a="http://schemas.openxmlformats.org/drawingml/2006/main" xmlns:r="http://schemas.openxmlformats.org/officeDocument/2006/relationships" xmlns:p="http://schemas.openxmlformats.org/presentationml/2006/main">
-  <p:cSld>
-    <p:spTree>
-      <p:nvGrpSpPr>
-        <p:cNvPr id="1" name=""/>
-        <p:cNvGrpSpPr/>
-        <p:nvPr/>
-      </p:nvGrpSpPr>
-      <p:grpSpPr>
-        <a:xfrm>
-          <a:off x="0" y="0"/>
-          <a:ext cx="0" cy="0"/>
-          <a:chOff x="0" y="0"/>
-          <a:chExt cx="0" cy="0"/>
-        </a:xfrm>
-      </p:grpSpPr>
-      <p:sp>
-        <p:nvSpPr>
-          <p:cNvPr id="2" name="タイトル 1"/>
-          <p:cNvSpPr>
-            <a:spLocks noGrp="1"/>
-          </p:cNvSpPr>
-          <p:nvPr>
-            <p:ph type="title"/>
-          </p:nvPr>
-        </p:nvSpPr>
-        <p:spPr/>
-        <p:txBody>
-          <a:bodyPr>
-            <a:normAutofit/>
-          </a:bodyPr>
-          <a:lstStyle/>
-          <a:p>
-            <a:r>
-              <a:rPr kumimoji="1" lang="ja-JP" altLang="en-US" dirty="0" smtClean="0"/>
-              <a:t>レイトレーサーの特徴　</a:t>
-            </a:r>
-            <a:endParaRPr kumimoji="1" lang="ja-JP" altLang="en-US" dirty="0"/>
-          </a:p>
-        </p:txBody>
-      </p:sp>
-      <p:sp>
-        <p:nvSpPr>
-          <p:cNvPr id="3" name="コンテンツ プレースホルダー 2"/>
-          <p:cNvSpPr>
-            <a:spLocks noGrp="1"/>
-          </p:cNvSpPr>
-          <p:nvPr>
-            <p:ph idx="1"/>
-          </p:nvPr>
-        </p:nvSpPr>
-        <p:spPr/>
-        <p:txBody>
-          <a:bodyPr/>
-          <a:lstStyle/>
-          <a:p>
-            <a:r>
-              <a:rPr kumimoji="1" lang="ja-JP" altLang="en-US" dirty="0" smtClean="0"/>
-              <a:t>レイトレは別スレッドで実行</a:t>
-            </a:r>
-            <a:endParaRPr kumimoji="1" lang="en-US" altLang="ja-JP" dirty="0" smtClean="0"/>
-          </a:p>
-          <a:p>
-            <a:pPr lvl="1"/>
-            <a:r>
-              <a:rPr lang="ja-JP" altLang="en-US" dirty="0" smtClean="0"/>
-              <a:t>メインスレッドで、プレビューと</a:t>
-            </a:r>
-            <a:r>
-              <a:rPr lang="en-US" altLang="ja-JP" dirty="0" smtClean="0"/>
-              <a:t>PNG</a:t>
-            </a:r>
-            <a:r>
-              <a:rPr lang="ja-JP" altLang="en-US" dirty="0" smtClean="0"/>
-              <a:t>書き出しを担当</a:t>
-            </a:r>
-            <a:endParaRPr lang="en-US" altLang="ja-JP" dirty="0" smtClean="0"/>
-          </a:p>
-          <a:p>
-            <a:r>
-              <a:rPr kumimoji="1" lang="ja-JP" altLang="en-US" dirty="0" smtClean="0"/>
-              <a:t>モデルは</a:t>
-            </a:r>
-            <a:r>
-              <a:rPr kumimoji="1" lang="en-US" altLang="ja-JP" dirty="0" err="1" smtClean="0"/>
-              <a:t>Collada</a:t>
-            </a:r>
-            <a:r>
-              <a:rPr kumimoji="1" lang="ja-JP" altLang="en-US" dirty="0" smtClean="0"/>
-              <a:t>形式で用意</a:t>
-            </a:r>
-            <a:endParaRPr kumimoji="1" lang="en-US" altLang="ja-JP" dirty="0" smtClean="0"/>
-          </a:p>
-          <a:p>
-            <a:pPr lvl="1"/>
-            <a:r>
-              <a:rPr kumimoji="1" lang="en-US" altLang="ja-JP" dirty="0" err="1" smtClean="0"/>
-              <a:t>assimp</a:t>
-            </a:r>
-            <a:r>
-              <a:rPr kumimoji="1" lang="ja-JP" altLang="en-US" dirty="0" smtClean="0"/>
-              <a:t>を使って読み込んでいる</a:t>
-            </a:r>
-            <a:endParaRPr kumimoji="1" lang="en-US" altLang="ja-JP" dirty="0" smtClean="0"/>
-          </a:p>
-        </p:txBody>
-      </p:sp>
-    </p:spTree>
-    <p:extLst>
-      <p:ext uri="{BB962C8B-B14F-4D97-AF65-F5344CB8AC3E}">
-        <p14:creationId xmlns:p14="http://schemas.microsoft.com/office/powerpoint/2010/main" val="3385992283"/>
-      </p:ext>
-    </p:extLst>
-  </p:cSld>
-  <p:clrMapOvr>
-    <a:masterClrMapping/>
-  </p:clrMapOvr>
-  <p:timing>
-    <p:tnLst>
-      <p:par>
-        <p:cTn id="1" dur="indefinite" restart="never" nodeType="tmRoot"/>
-      </p:par>
-    </p:tnLst>
-  </p:timing>
-</p:sld>
-</file>
-
-<file path=ppt/slides/slide15.xml><?xml version="1.0" encoding="utf-8"?>
-<p:sld xmlns:a="http://schemas.openxmlformats.org/drawingml/2006/main" xmlns:r="http://schemas.openxmlformats.org/officeDocument/2006/relationships" xmlns:p="http://schemas.openxmlformats.org/presentationml/2006/main">
-  <p:cSld>
-    <p:spTree>
-      <p:nvGrpSpPr>
-        <p:cNvPr id="1" name=""/>
-        <p:cNvGrpSpPr/>
-        <p:nvPr/>
-      </p:nvGrpSpPr>
-      <p:grpSpPr>
-        <a:xfrm>
-          <a:off x="0" y="0"/>
-          <a:ext cx="0" cy="0"/>
-          <a:chOff x="0" y="0"/>
-          <a:chExt cx="0" cy="0"/>
-        </a:xfrm>
-      </p:grpSpPr>
-      <p:sp>
-        <p:nvSpPr>
-          <p:cNvPr id="2" name="タイトル 1"/>
-          <p:cNvSpPr>
-            <a:spLocks noGrp="1"/>
-          </p:cNvSpPr>
-          <p:nvPr>
-            <p:ph type="title"/>
-          </p:nvPr>
-        </p:nvSpPr>
-        <p:spPr/>
-        <p:txBody>
-          <a:bodyPr>
-            <a:normAutofit/>
-          </a:bodyPr>
-          <a:lstStyle/>
-          <a:p>
-            <a:r>
-              <a:rPr kumimoji="1" lang="ja-JP" altLang="en-US" dirty="0" smtClean="0"/>
-              <a:t>レイトレーサーの特徴</a:t>
-            </a:r>
-            <a:endParaRPr kumimoji="1" lang="ja-JP" altLang="en-US" dirty="0"/>
-          </a:p>
-        </p:txBody>
-      </p:sp>
-      <p:sp>
-        <p:nvSpPr>
-          <p:cNvPr id="3" name="コンテンツ プレースホルダー 2"/>
-          <p:cNvSpPr>
-            <a:spLocks noGrp="1"/>
-          </p:cNvSpPr>
-          <p:nvPr>
-            <p:ph idx="1"/>
-          </p:nvPr>
-        </p:nvSpPr>
-        <p:spPr/>
-        <p:txBody>
-          <a:bodyPr>
-            <a:normAutofit fontScale="92500" lnSpcReduction="20000"/>
-          </a:bodyPr>
-          <a:lstStyle/>
-          <a:p>
-            <a:r>
-              <a:rPr kumimoji="1" lang="ja-JP" altLang="en-US" dirty="0" smtClean="0"/>
-              <a:t>使ったライブラリ</a:t>
-            </a:r>
-            <a:endParaRPr kumimoji="1" lang="en-US" altLang="ja-JP" dirty="0" smtClean="0"/>
-          </a:p>
-          <a:p>
-            <a:pPr lvl="1"/>
-            <a:r>
-              <a:rPr lang="en-US" altLang="ja-JP" dirty="0" err="1" smtClean="0"/>
-              <a:t>assimp</a:t>
-            </a:r>
-            <a:r>
-              <a:rPr lang="en-US" altLang="ja-JP" dirty="0" smtClean="0"/>
-              <a:t>: </a:t>
-            </a:r>
-            <a:r>
-              <a:rPr lang="ja-JP" altLang="en-US" dirty="0" smtClean="0"/>
-              <a:t>モデル読み書き</a:t>
-            </a:r>
-            <a:endParaRPr lang="en-US" altLang="ja-JP" dirty="0" smtClean="0"/>
-          </a:p>
-          <a:p>
-            <a:pPr lvl="1"/>
-            <a:r>
-              <a:rPr kumimoji="1" lang="en-US" altLang="ja-JP" dirty="0" smtClean="0"/>
-              <a:t>GLFW3: OpenGL</a:t>
-            </a:r>
-            <a:r>
-              <a:rPr kumimoji="1" lang="ja-JP" altLang="en-US" dirty="0" smtClean="0"/>
-              <a:t>環境</a:t>
-            </a:r>
-            <a:endParaRPr kumimoji="1" lang="en-US" altLang="ja-JP" dirty="0" smtClean="0"/>
-          </a:p>
-          <a:p>
-            <a:pPr lvl="1"/>
-            <a:r>
-              <a:rPr lang="en-US" altLang="ja-JP" dirty="0" smtClean="0"/>
-              <a:t>GLEW: Windows</a:t>
-            </a:r>
-            <a:r>
-              <a:rPr lang="ja-JP" altLang="en-US" dirty="0" smtClean="0"/>
-              <a:t>で</a:t>
-            </a:r>
-            <a:r>
-              <a:rPr lang="en-US" altLang="ja-JP" dirty="0" smtClean="0"/>
-              <a:t>OpenGL1.1</a:t>
-            </a:r>
-            <a:r>
-              <a:rPr lang="ja-JP" altLang="en-US" dirty="0" smtClean="0"/>
-              <a:t>拡張を扱う</a:t>
-            </a:r>
-            <a:endParaRPr lang="en-US" altLang="ja-JP" dirty="0" smtClean="0"/>
-          </a:p>
-          <a:p>
-            <a:pPr lvl="1"/>
-            <a:r>
-              <a:rPr lang="en-US" altLang="ja-JP" dirty="0" err="1"/>
-              <a:t>l</a:t>
-            </a:r>
-            <a:r>
-              <a:rPr kumimoji="1" lang="en-US" altLang="ja-JP" dirty="0" err="1" smtClean="0"/>
-              <a:t>ibpng</a:t>
-            </a:r>
-            <a:r>
-              <a:rPr kumimoji="1" lang="en-US" altLang="ja-JP" dirty="0" smtClean="0"/>
-              <a:t>: PNG</a:t>
-            </a:r>
-            <a:r>
-              <a:rPr kumimoji="1" lang="ja-JP" altLang="en-US" dirty="0" smtClean="0"/>
-              <a:t>形式の読み書き</a:t>
-            </a:r>
-            <a:endParaRPr kumimoji="1" lang="en-US" altLang="ja-JP" dirty="0" smtClean="0"/>
-          </a:p>
-          <a:p>
-            <a:pPr lvl="1"/>
-            <a:r>
-              <a:rPr lang="en-US" altLang="ja-JP" dirty="0" err="1"/>
-              <a:t>z</a:t>
-            </a:r>
-            <a:r>
-              <a:rPr lang="en-US" altLang="ja-JP" dirty="0" err="1" smtClean="0"/>
-              <a:t>lib</a:t>
-            </a:r>
-            <a:r>
-              <a:rPr lang="en-US" altLang="ja-JP" dirty="0" smtClean="0"/>
-              <a:t>: </a:t>
-            </a:r>
-            <a:r>
-              <a:rPr lang="en-US" altLang="ja-JP" dirty="0" err="1" smtClean="0"/>
-              <a:t>libpng</a:t>
-            </a:r>
-            <a:r>
-              <a:rPr lang="ja-JP" altLang="en-US" dirty="0" smtClean="0"/>
-              <a:t>が依存</a:t>
-            </a:r>
-            <a:endParaRPr lang="en-US" altLang="ja-JP" dirty="0" smtClean="0"/>
-          </a:p>
-          <a:p>
-            <a:pPr lvl="1"/>
-            <a:r>
-              <a:rPr kumimoji="1" lang="en-US" altLang="ja-JP" dirty="0" smtClean="0"/>
-              <a:t>Eigen: </a:t>
-            </a:r>
-            <a:r>
-              <a:rPr kumimoji="1" lang="ja-JP" altLang="en-US" dirty="0" smtClean="0"/>
-              <a:t>ベクトル・行列演算</a:t>
-            </a:r>
-            <a:endParaRPr kumimoji="1" lang="en-US" altLang="ja-JP" dirty="0" smtClean="0"/>
-          </a:p>
-          <a:p>
-            <a:pPr lvl="1"/>
-            <a:r>
-              <a:rPr lang="en-US" altLang="ja-JP" dirty="0"/>
-              <a:t>b</a:t>
-            </a:r>
-            <a:r>
-              <a:rPr lang="en-US" altLang="ja-JP" dirty="0" smtClean="0"/>
-              <a:t>oost: </a:t>
-            </a:r>
-            <a:r>
-              <a:rPr lang="ja-JP" altLang="en-US" dirty="0" smtClean="0"/>
-              <a:t>いつもの</a:t>
-            </a:r>
-            <a:endParaRPr kumimoji="1" lang="ja-JP" altLang="en-US" dirty="0"/>
-          </a:p>
-        </p:txBody>
-      </p:sp>
-    </p:spTree>
-    <p:extLst>
-      <p:ext uri="{BB962C8B-B14F-4D97-AF65-F5344CB8AC3E}">
-        <p14:creationId xmlns:p14="http://schemas.microsoft.com/office/powerpoint/2010/main" val="302210694"/>
-      </p:ext>
-    </p:extLst>
-  </p:cSld>
-  <p:clrMapOvr>
-    <a:masterClrMapping/>
-  </p:clrMapOvr>
-  <p:timing>
-    <p:tnLst>
-      <p:par>
-        <p:cTn id="1" dur="indefinite" restart="never" nodeType="tmRoot"/>
-      </p:par>
-    </p:tnLst>
-  </p:timing>
-</p:sld>
-</file>
-
 <file path=ppt/slides/slide16.xml><?xml version="1.0" encoding="utf-8"?>
 <p:sld xmlns:a="http://schemas.openxmlformats.org/drawingml/2006/main" xmlns:r="http://schemas.openxmlformats.org/officeDocument/2006/relationships" xmlns:p="http://schemas.openxmlformats.org/presentationml/2006/main">
   <p:cSld>
@@ -4403,12 +4291,14 @@
         </p:nvSpPr>
         <p:spPr/>
         <p:txBody>
-          <a:bodyPr/>
+          <a:bodyPr>
+            <a:normAutofit/>
+          </a:bodyPr>
           <a:lstStyle/>
           <a:p>
             <a:r>
               <a:rPr kumimoji="1" lang="ja-JP" altLang="en-US" dirty="0" smtClean="0"/>
-              <a:t>次回の目標</a:t>
+              <a:t>レイトレーサーの特徴</a:t>
             </a:r>
             <a:endParaRPr kumimoji="1" lang="ja-JP" altLang="en-US" dirty="0"/>
           </a:p>
@@ -4430,39 +4320,57 @@
           <a:lstStyle/>
           <a:p>
             <a:r>
+              <a:rPr kumimoji="1" lang="en-US" altLang="ja-JP" dirty="0" smtClean="0"/>
+              <a:t>OSX</a:t>
+            </a:r>
+            <a:r>
               <a:rPr kumimoji="1" lang="ja-JP" altLang="en-US" dirty="0" smtClean="0"/>
-              <a:t>ノイズ対策</a:t>
+              <a:t>の</a:t>
+            </a:r>
+            <a:r>
+              <a:rPr kumimoji="1" lang="en-US" altLang="ja-JP" dirty="0" smtClean="0"/>
+              <a:t>Cheetah3D</a:t>
+            </a:r>
+            <a:r>
+              <a:rPr kumimoji="1" lang="ja-JP" altLang="en-US" dirty="0" smtClean="0"/>
+              <a:t>というアプリでモデルデータを用意</a:t>
             </a:r>
             <a:endParaRPr kumimoji="1" lang="en-US" altLang="ja-JP" dirty="0" smtClean="0"/>
           </a:p>
           <a:p>
+            <a:pPr lvl="1"/>
             <a:r>
               <a:rPr lang="ja-JP" altLang="en-US" dirty="0" smtClean="0"/>
-              <a:t>もっと凝った</a:t>
+              <a:t>このアプリで</a:t>
             </a:r>
             <a:r>
               <a:rPr lang="ja-JP" altLang="en-US" dirty="0"/>
-              <a:t>シーン</a:t>
+              <a:t>の</a:t>
             </a:r>
             <a:r>
               <a:rPr lang="ja-JP" altLang="en-US" dirty="0" smtClean="0"/>
-              <a:t>を素早くレンダリングできるように</a:t>
+              <a:t>レンダリング結果となるべく同じになるのを目指した</a:t>
             </a:r>
             <a:endParaRPr lang="en-US" altLang="ja-JP" dirty="0" smtClean="0"/>
           </a:p>
           <a:p>
-            <a:r>
-              <a:rPr lang="ja-JP" altLang="en-US" dirty="0" smtClean="0"/>
-              <a:t>スプラトゥーン欲しい</a:t>
-            </a:r>
-            <a:endParaRPr lang="en-US" altLang="ja-JP" dirty="0" smtClean="0"/>
+            <a:pPr lvl="1"/>
+            <a:r>
+              <a:rPr kumimoji="1" lang="en-US" altLang="ja-JP" dirty="0" err="1" smtClean="0"/>
+              <a:t>Collada</a:t>
+            </a:r>
+            <a:r>
+              <a:rPr kumimoji="1" lang="ja-JP" altLang="en-US" dirty="0" smtClean="0"/>
+              <a:t>形式で出力したのを使う</a:t>
+            </a:r>
+            <a:endParaRPr kumimoji="1" lang="ja-JP" altLang="en-US" dirty="0"/>
           </a:p>
         </p:txBody>
       </p:sp>
     </p:spTree>
     <p:extLst>
       <p:ext uri="{BB962C8B-B14F-4D97-AF65-F5344CB8AC3E}">
-        <p14:creationId xmlns:p14="http://schemas.microsoft.com/office/powerpoint/2010/main" val="982017929"/>
+        <p14:creationId xmlns:p14="http://schemas.microsoft.com/office/powerpoint/2010/main" val="2514327023"/>
       </p:ext>
     </p:extLst>
   </p:cSld>
@@ -4508,12 +4416,14 @@
         </p:nvSpPr>
         <p:spPr/>
         <p:txBody>
-          <a:bodyPr/>
+          <a:bodyPr>
+            <a:normAutofit/>
+          </a:bodyPr>
           <a:lstStyle/>
           <a:p>
             <a:r>
               <a:rPr kumimoji="1" lang="ja-JP" altLang="en-US" dirty="0" smtClean="0"/>
-              <a:t>おわりです</a:t>
+              <a:t>レイトレーサーの特徴　</a:t>
             </a:r>
             <a:endParaRPr kumimoji="1" lang="ja-JP" altLang="en-US" dirty="0"/>
           </a:p>
@@ -4536,20 +4446,330 @@
           <a:p>
             <a:r>
               <a:rPr kumimoji="1" lang="ja-JP" altLang="en-US" dirty="0" smtClean="0"/>
-              <a:t>何か質問はありますか</a:t>
-            </a:r>
-            <a:r>
-              <a:rPr kumimoji="1" lang="en-US" altLang="ja-JP" dirty="0" smtClean="0"/>
-              <a:t>??</a:t>
-            </a:r>
-            <a:endParaRPr kumimoji="1" lang="ja-JP" altLang="en-US" dirty="0"/>
+              <a:t>レイトレは別スレッドで実行</a:t>
+            </a:r>
+            <a:endParaRPr kumimoji="1" lang="en-US" altLang="ja-JP" dirty="0" smtClean="0"/>
+          </a:p>
+          <a:p>
+            <a:pPr lvl="1"/>
+            <a:r>
+              <a:rPr lang="ja-JP" altLang="en-US" dirty="0" smtClean="0"/>
+              <a:t>メインスレッドで、プレビューと</a:t>
+            </a:r>
+            <a:r>
+              <a:rPr lang="en-US" altLang="ja-JP" dirty="0" smtClean="0"/>
+              <a:t>PNG</a:t>
+            </a:r>
+            <a:r>
+              <a:rPr lang="ja-JP" altLang="en-US" dirty="0" smtClean="0"/>
+              <a:t>書き出しを担当</a:t>
+            </a:r>
+            <a:endParaRPr lang="en-US" altLang="ja-JP" dirty="0" smtClean="0"/>
+          </a:p>
+          <a:p>
+            <a:pPr lvl="1"/>
+            <a:r>
+              <a:rPr lang="en-US" altLang="ja-JP" dirty="0" smtClean="0"/>
+              <a:t>C++11</a:t>
+            </a:r>
+            <a:r>
+              <a:rPr lang="ja-JP" altLang="en-US" dirty="0" smtClean="0"/>
+              <a:t>だと簡単だね</a:t>
+            </a:r>
+            <a:endParaRPr lang="en-US" altLang="ja-JP" dirty="0" smtClean="0"/>
           </a:p>
         </p:txBody>
       </p:sp>
     </p:spTree>
     <p:extLst>
       <p:ext uri="{BB962C8B-B14F-4D97-AF65-F5344CB8AC3E}">
-        <p14:creationId xmlns:p14="http://schemas.microsoft.com/office/powerpoint/2010/main" val="93968802"/>
+        <p14:creationId xmlns:p14="http://schemas.microsoft.com/office/powerpoint/2010/main" val="3385992283"/>
+      </p:ext>
+    </p:extLst>
+  </p:cSld>
+  <p:clrMapOvr>
+    <a:masterClrMapping/>
+  </p:clrMapOvr>
+  <p:timing>
+    <p:tnLst>
+      <p:par>
+        <p:cTn id="1" dur="indefinite" restart="never" nodeType="tmRoot"/>
+      </p:par>
+    </p:tnLst>
+  </p:timing>
+</p:sld>
+</file>
+
+<file path=ppt/slides/slide18.xml><?xml version="1.0" encoding="utf-8"?>
+<p:sld xmlns:a="http://schemas.openxmlformats.org/drawingml/2006/main" xmlns:r="http://schemas.openxmlformats.org/officeDocument/2006/relationships" xmlns:p="http://schemas.openxmlformats.org/presentationml/2006/main">
+  <p:cSld>
+    <p:spTree>
+      <p:nvGrpSpPr>
+        <p:cNvPr id="1" name=""/>
+        <p:cNvGrpSpPr/>
+        <p:nvPr/>
+      </p:nvGrpSpPr>
+      <p:grpSpPr>
+        <a:xfrm>
+          <a:off x="0" y="0"/>
+          <a:ext cx="0" cy="0"/>
+          <a:chOff x="0" y="0"/>
+          <a:chExt cx="0" cy="0"/>
+        </a:xfrm>
+      </p:grpSpPr>
+      <p:sp>
+        <p:nvSpPr>
+          <p:cNvPr id="2" name="タイトル 1"/>
+          <p:cNvSpPr>
+            <a:spLocks noGrp="1"/>
+          </p:cNvSpPr>
+          <p:nvPr>
+            <p:ph type="title"/>
+          </p:nvPr>
+        </p:nvSpPr>
+        <p:spPr/>
+        <p:txBody>
+          <a:bodyPr>
+            <a:normAutofit/>
+          </a:bodyPr>
+          <a:lstStyle/>
+          <a:p>
+            <a:r>
+              <a:rPr kumimoji="1" lang="ja-JP" altLang="en-US" dirty="0" smtClean="0"/>
+              <a:t>レイトレーサーの特徴</a:t>
+            </a:r>
+            <a:endParaRPr kumimoji="1" lang="ja-JP" altLang="en-US" dirty="0"/>
+          </a:p>
+        </p:txBody>
+      </p:sp>
+      <p:sp>
+        <p:nvSpPr>
+          <p:cNvPr id="3" name="コンテンツ プレースホルダー 2"/>
+          <p:cNvSpPr>
+            <a:spLocks noGrp="1"/>
+          </p:cNvSpPr>
+          <p:nvPr>
+            <p:ph idx="1"/>
+          </p:nvPr>
+        </p:nvSpPr>
+        <p:spPr/>
+        <p:txBody>
+          <a:bodyPr>
+            <a:normAutofit fontScale="92500" lnSpcReduction="10000"/>
+          </a:bodyPr>
+          <a:lstStyle/>
+          <a:p>
+            <a:r>
+              <a:rPr kumimoji="1" lang="ja-JP" altLang="en-US" dirty="0" smtClean="0"/>
+              <a:t>使ったライブラリ</a:t>
+            </a:r>
+            <a:endParaRPr kumimoji="1" lang="en-US" altLang="ja-JP" dirty="0" smtClean="0"/>
+          </a:p>
+          <a:p>
+            <a:pPr lvl="1"/>
+            <a:r>
+              <a:rPr lang="en-US" altLang="ja-JP" dirty="0" err="1" smtClean="0"/>
+              <a:t>assimp</a:t>
+            </a:r>
+            <a:r>
+              <a:rPr lang="en-US" altLang="ja-JP" dirty="0" smtClean="0"/>
+              <a:t>: </a:t>
+            </a:r>
+            <a:r>
+              <a:rPr lang="ja-JP" altLang="en-US" dirty="0" smtClean="0"/>
+              <a:t>モデル読み書き</a:t>
+            </a:r>
+            <a:endParaRPr lang="en-US" altLang="ja-JP" dirty="0" smtClean="0"/>
+          </a:p>
+          <a:p>
+            <a:pPr lvl="1"/>
+            <a:r>
+              <a:rPr kumimoji="1" lang="en-US" altLang="ja-JP" dirty="0" smtClean="0"/>
+              <a:t>GLFW3: OpenGL</a:t>
+            </a:r>
+            <a:r>
+              <a:rPr kumimoji="1" lang="ja-JP" altLang="en-US" dirty="0" smtClean="0"/>
+              <a:t>環境</a:t>
+            </a:r>
+            <a:endParaRPr kumimoji="1" lang="en-US" altLang="ja-JP" dirty="0" smtClean="0"/>
+          </a:p>
+          <a:p>
+            <a:pPr lvl="1"/>
+            <a:r>
+              <a:rPr lang="en-US" altLang="ja-JP" dirty="0" smtClean="0"/>
+              <a:t>GLEW: Windows</a:t>
+            </a:r>
+            <a:r>
+              <a:rPr lang="ja-JP" altLang="en-US" dirty="0" smtClean="0"/>
+              <a:t>で</a:t>
+            </a:r>
+            <a:r>
+              <a:rPr lang="en-US" altLang="ja-JP" dirty="0" smtClean="0"/>
+              <a:t>OpenGL1.1</a:t>
+            </a:r>
+            <a:r>
+              <a:rPr lang="ja-JP" altLang="en-US" dirty="0" smtClean="0"/>
+              <a:t>拡張を扱う</a:t>
+            </a:r>
+            <a:endParaRPr lang="en-US" altLang="ja-JP" dirty="0" smtClean="0"/>
+          </a:p>
+          <a:p>
+            <a:pPr lvl="1"/>
+            <a:r>
+              <a:rPr lang="en-US" altLang="ja-JP" dirty="0" err="1"/>
+              <a:t>l</a:t>
+            </a:r>
+            <a:r>
+              <a:rPr kumimoji="1" lang="en-US" altLang="ja-JP" dirty="0" err="1" smtClean="0"/>
+              <a:t>ibpng</a:t>
+            </a:r>
+            <a:r>
+              <a:rPr kumimoji="1" lang="en-US" altLang="ja-JP" dirty="0" smtClean="0"/>
+              <a:t>: PNG</a:t>
+            </a:r>
+            <a:r>
+              <a:rPr kumimoji="1" lang="ja-JP" altLang="en-US" dirty="0" smtClean="0"/>
+              <a:t>形式の読み書き</a:t>
+            </a:r>
+            <a:endParaRPr kumimoji="1" lang="en-US" altLang="ja-JP" dirty="0" smtClean="0"/>
+          </a:p>
+          <a:p>
+            <a:pPr lvl="1"/>
+            <a:r>
+              <a:rPr lang="en-US" altLang="ja-JP" dirty="0" err="1"/>
+              <a:t>z</a:t>
+            </a:r>
+            <a:r>
+              <a:rPr lang="en-US" altLang="ja-JP" dirty="0" err="1" smtClean="0"/>
+              <a:t>lib</a:t>
+            </a:r>
+            <a:r>
+              <a:rPr lang="en-US" altLang="ja-JP" dirty="0" smtClean="0"/>
+              <a:t>: </a:t>
+            </a:r>
+            <a:r>
+              <a:rPr lang="en-US" altLang="ja-JP" dirty="0" err="1" smtClean="0"/>
+              <a:t>libpng</a:t>
+            </a:r>
+            <a:r>
+              <a:rPr lang="ja-JP" altLang="en-US" dirty="0" smtClean="0"/>
+              <a:t>が依存</a:t>
+            </a:r>
+            <a:endParaRPr lang="en-US" altLang="ja-JP" dirty="0" smtClean="0"/>
+          </a:p>
+          <a:p>
+            <a:pPr lvl="1"/>
+            <a:r>
+              <a:rPr kumimoji="1" lang="en-US" altLang="ja-JP" dirty="0" smtClean="0"/>
+              <a:t>Eigen: </a:t>
+            </a:r>
+            <a:r>
+              <a:rPr kumimoji="1" lang="ja-JP" altLang="en-US" dirty="0" smtClean="0"/>
+              <a:t>ベクトル・行列演算</a:t>
+            </a:r>
+            <a:endParaRPr kumimoji="1" lang="en-US" altLang="ja-JP" dirty="0" smtClean="0"/>
+          </a:p>
+          <a:p>
+            <a:pPr lvl="1"/>
+            <a:r>
+              <a:rPr lang="en-US" altLang="ja-JP" dirty="0"/>
+              <a:t>b</a:t>
+            </a:r>
+            <a:r>
+              <a:rPr lang="en-US" altLang="ja-JP" dirty="0" smtClean="0"/>
+              <a:t>oost: </a:t>
+            </a:r>
+            <a:r>
+              <a:rPr lang="ja-JP" altLang="en-US" dirty="0" smtClean="0"/>
+              <a:t>いつもの</a:t>
+            </a:r>
+            <a:endParaRPr kumimoji="1" lang="ja-JP" altLang="en-US" dirty="0"/>
+          </a:p>
+        </p:txBody>
+      </p:sp>
+    </p:spTree>
+    <p:extLst>
+      <p:ext uri="{BB962C8B-B14F-4D97-AF65-F5344CB8AC3E}">
+        <p14:creationId xmlns:p14="http://schemas.microsoft.com/office/powerpoint/2010/main" val="302210694"/>
+      </p:ext>
+    </p:extLst>
+  </p:cSld>
+  <p:clrMapOvr>
+    <a:masterClrMapping/>
+  </p:clrMapOvr>
+  <p:timing>
+    <p:tnLst>
+      <p:par>
+        <p:cTn id="1" dur="indefinite" restart="never" nodeType="tmRoot"/>
+      </p:par>
+    </p:tnLst>
+  </p:timing>
+</p:sld>
+</file>
+
+<file path=ppt/slides/slide19.xml><?xml version="1.0" encoding="utf-8"?>
+<p:sld xmlns:a="http://schemas.openxmlformats.org/drawingml/2006/main" xmlns:r="http://schemas.openxmlformats.org/officeDocument/2006/relationships" xmlns:p="http://schemas.openxmlformats.org/presentationml/2006/main">
+  <p:cSld>
+    <p:spTree>
+      <p:nvGrpSpPr>
+        <p:cNvPr id="1" name=""/>
+        <p:cNvGrpSpPr/>
+        <p:nvPr/>
+      </p:nvGrpSpPr>
+      <p:grpSpPr>
+        <a:xfrm>
+          <a:off x="0" y="0"/>
+          <a:ext cx="0" cy="0"/>
+          <a:chOff x="0" y="0"/>
+          <a:chExt cx="0" cy="0"/>
+        </a:xfrm>
+      </p:grpSpPr>
+      <p:sp>
+        <p:nvSpPr>
+          <p:cNvPr id="2" name="タイトル 1"/>
+          <p:cNvSpPr>
+            <a:spLocks noGrp="1"/>
+          </p:cNvSpPr>
+          <p:nvPr>
+            <p:ph type="title"/>
+          </p:nvPr>
+        </p:nvSpPr>
+        <p:spPr/>
+        <p:txBody>
+          <a:bodyPr/>
+          <a:lstStyle/>
+          <a:p>
+            <a:r>
+              <a:rPr kumimoji="1" lang="ja-JP" altLang="en-US" dirty="0" smtClean="0"/>
+              <a:t>まとめ</a:t>
+            </a:r>
+            <a:endParaRPr kumimoji="1" lang="ja-JP" altLang="en-US" dirty="0"/>
+          </a:p>
+        </p:txBody>
+      </p:sp>
+      <p:sp>
+        <p:nvSpPr>
+          <p:cNvPr id="3" name="コンテンツ プレースホルダー 2"/>
+          <p:cNvSpPr>
+            <a:spLocks noGrp="1"/>
+          </p:cNvSpPr>
+          <p:nvPr>
+            <p:ph idx="1"/>
+          </p:nvPr>
+        </p:nvSpPr>
+        <p:spPr/>
+        <p:txBody>
+          <a:bodyPr/>
+          <a:lstStyle/>
+          <a:p>
+            <a:endParaRPr kumimoji="1" lang="ja-JP" altLang="en-US"/>
+          </a:p>
+        </p:txBody>
+      </p:sp>
+    </p:spTree>
+    <p:extLst>
+      <p:ext uri="{BB962C8B-B14F-4D97-AF65-F5344CB8AC3E}">
+        <p14:creationId xmlns:p14="http://schemas.microsoft.com/office/powerpoint/2010/main" val="2064241685"/>
       </p:ext>
     </p:extLst>
   </p:cSld>
@@ -4651,12 +4871,14 @@
             </a:r>
           </a:p>
           <a:p>
+            <a:pPr lvl="1"/>
             <a:r>
               <a:rPr kumimoji="1" lang="en-US" altLang="ja-JP" dirty="0" smtClean="0"/>
               <a:t>twitter: @5mingame2</a:t>
             </a:r>
           </a:p>
           <a:p>
+            <a:pPr lvl="1"/>
             <a:r>
               <a:rPr lang="en-US" altLang="ja-JP" dirty="0" smtClean="0"/>
               <a:t>Facebook: facebook.com/5mingame2</a:t>
@@ -4669,6 +4891,355 @@
     <p:extLst>
       <p:ext uri="{BB962C8B-B14F-4D97-AF65-F5344CB8AC3E}">
         <p14:creationId xmlns:p14="http://schemas.microsoft.com/office/powerpoint/2010/main" val="3657229511"/>
+      </p:ext>
+    </p:extLst>
+  </p:cSld>
+  <p:clrMapOvr>
+    <a:masterClrMapping/>
+  </p:clrMapOvr>
+  <p:timing>
+    <p:tnLst>
+      <p:par>
+        <p:cTn id="1" dur="indefinite" restart="never" nodeType="tmRoot"/>
+      </p:par>
+    </p:tnLst>
+  </p:timing>
+</p:sld>
+</file>
+
+<file path=ppt/slides/slide20.xml><?xml version="1.0" encoding="utf-8"?>
+<p:sld xmlns:a="http://schemas.openxmlformats.org/drawingml/2006/main" xmlns:r="http://schemas.openxmlformats.org/officeDocument/2006/relationships" xmlns:p="http://schemas.openxmlformats.org/presentationml/2006/main">
+  <p:cSld>
+    <p:spTree>
+      <p:nvGrpSpPr>
+        <p:cNvPr id="1" name=""/>
+        <p:cNvGrpSpPr/>
+        <p:nvPr/>
+      </p:nvGrpSpPr>
+      <p:grpSpPr>
+        <a:xfrm>
+          <a:off x="0" y="0"/>
+          <a:ext cx="0" cy="0"/>
+          <a:chOff x="0" y="0"/>
+          <a:chExt cx="0" cy="0"/>
+        </a:xfrm>
+      </p:grpSpPr>
+      <p:sp>
+        <p:nvSpPr>
+          <p:cNvPr id="2" name="タイトル 1"/>
+          <p:cNvSpPr>
+            <a:spLocks noGrp="1"/>
+          </p:cNvSpPr>
+          <p:nvPr>
+            <p:ph type="title"/>
+          </p:nvPr>
+        </p:nvSpPr>
+        <p:spPr/>
+        <p:txBody>
+          <a:bodyPr/>
+          <a:lstStyle/>
+          <a:p>
+            <a:r>
+              <a:rPr kumimoji="1" lang="ja-JP" altLang="en-US" dirty="0" smtClean="0"/>
+              <a:t>まとめ</a:t>
+            </a:r>
+            <a:endParaRPr kumimoji="1" lang="ja-JP" altLang="en-US" dirty="0"/>
+          </a:p>
+        </p:txBody>
+      </p:sp>
+      <p:sp>
+        <p:nvSpPr>
+          <p:cNvPr id="3" name="コンテンツ プレースホルダー 2"/>
+          <p:cNvSpPr>
+            <a:spLocks noGrp="1"/>
+          </p:cNvSpPr>
+          <p:nvPr>
+            <p:ph idx="1"/>
+          </p:nvPr>
+        </p:nvSpPr>
+        <p:spPr/>
+        <p:txBody>
+          <a:bodyPr/>
+          <a:lstStyle/>
+          <a:p>
+            <a:r>
+              <a:rPr kumimoji="1" lang="en-US" altLang="ja-JP" dirty="0" smtClean="0"/>
+              <a:t>BVH</a:t>
+            </a:r>
+            <a:r>
+              <a:rPr kumimoji="1" lang="ja-JP" altLang="en-US" dirty="0" smtClean="0"/>
+              <a:t>の効果パネェ</a:t>
+            </a:r>
+            <a:endParaRPr kumimoji="1" lang="en-US" altLang="ja-JP" dirty="0" smtClean="0"/>
+          </a:p>
+          <a:p>
+            <a:pPr lvl="1"/>
+            <a:r>
+              <a:rPr lang="ja-JP" altLang="en-US" dirty="0"/>
+              <a:t>恐</a:t>
+            </a:r>
+            <a:r>
+              <a:rPr lang="ja-JP" altLang="en-US" dirty="0" smtClean="0"/>
+              <a:t>ろしいくらいにレイとポリゴンの交差判定が高速に</a:t>
+            </a:r>
+            <a:r>
+              <a:rPr lang="ja-JP" altLang="en-US" dirty="0" smtClean="0"/>
+              <a:t>なった</a:t>
+            </a:r>
+            <a:r>
+              <a:rPr lang="en-US" altLang="ja-JP" dirty="0" smtClean="0"/>
+              <a:t>(10</a:t>
+            </a:r>
+            <a:r>
+              <a:rPr lang="ja-JP" altLang="en-US" smtClean="0"/>
+              <a:t>万ポリゴンも</a:t>
+            </a:r>
+            <a:r>
+              <a:rPr lang="ja-JP" altLang="en-US" dirty="0" err="1" smtClean="0"/>
+              <a:t>へっちゃら</a:t>
+            </a:r>
+            <a:r>
+              <a:rPr lang="en-US" altLang="ja-JP" dirty="0" smtClean="0"/>
+              <a:t>)</a:t>
+            </a:r>
+            <a:endParaRPr kumimoji="1" lang="en-US" altLang="ja-JP" dirty="0" smtClean="0"/>
+          </a:p>
+          <a:p>
+            <a:r>
+              <a:rPr kumimoji="1" lang="en-US" altLang="ja-JP" dirty="0" smtClean="0"/>
+              <a:t>QMC</a:t>
+            </a:r>
+            <a:r>
+              <a:rPr kumimoji="1" lang="ja-JP" altLang="en-US" dirty="0" smtClean="0"/>
+              <a:t>の効果パネェ</a:t>
+            </a:r>
+            <a:endParaRPr kumimoji="1" lang="en-US" altLang="ja-JP" dirty="0" smtClean="0"/>
+          </a:p>
+          <a:p>
+            <a:pPr lvl="1"/>
+            <a:r>
+              <a:rPr lang="ja-JP" altLang="en-US" dirty="0" smtClean="0"/>
+              <a:t>サンプル数が少なくてもノイズが少ない</a:t>
+            </a:r>
+            <a:endParaRPr kumimoji="1" lang="en-US" altLang="ja-JP" dirty="0" smtClean="0"/>
+          </a:p>
+          <a:p>
+            <a:r>
+              <a:rPr kumimoji="1" lang="en-US" altLang="ja-JP" dirty="0" smtClean="0"/>
+              <a:t>IBL</a:t>
+            </a:r>
+            <a:r>
+              <a:rPr kumimoji="1" lang="ja-JP" altLang="en-US" dirty="0" smtClean="0"/>
+              <a:t>の効果ぱねぇ</a:t>
+            </a:r>
+            <a:endParaRPr kumimoji="1" lang="en-US" altLang="ja-JP" dirty="0" smtClean="0"/>
+          </a:p>
+          <a:p>
+            <a:pPr lvl="1"/>
+            <a:r>
+              <a:rPr lang="ja-JP" altLang="en-US" dirty="0" smtClean="0"/>
+              <a:t>見た目がぐっとよくなる</a:t>
+            </a:r>
+            <a:endParaRPr kumimoji="1" lang="ja-JP" altLang="en-US" dirty="0"/>
+          </a:p>
+        </p:txBody>
+      </p:sp>
+    </p:spTree>
+    <p:extLst>
+      <p:ext uri="{BB962C8B-B14F-4D97-AF65-F5344CB8AC3E}">
+        <p14:creationId xmlns:p14="http://schemas.microsoft.com/office/powerpoint/2010/main" val="2192911367"/>
+      </p:ext>
+    </p:extLst>
+  </p:cSld>
+  <p:clrMapOvr>
+    <a:masterClrMapping/>
+  </p:clrMapOvr>
+  <p:timing>
+    <p:tnLst>
+      <p:par>
+        <p:cTn id="1" dur="indefinite" restart="never" nodeType="tmRoot"/>
+      </p:par>
+    </p:tnLst>
+  </p:timing>
+</p:sld>
+</file>
+
+<file path=ppt/slides/slide21.xml><?xml version="1.0" encoding="utf-8"?>
+<p:sld xmlns:a="http://schemas.openxmlformats.org/drawingml/2006/main" xmlns:r="http://schemas.openxmlformats.org/officeDocument/2006/relationships" xmlns:p="http://schemas.openxmlformats.org/presentationml/2006/main">
+  <p:cSld>
+    <p:spTree>
+      <p:nvGrpSpPr>
+        <p:cNvPr id="1" name=""/>
+        <p:cNvGrpSpPr/>
+        <p:nvPr/>
+      </p:nvGrpSpPr>
+      <p:grpSpPr>
+        <a:xfrm>
+          <a:off x="0" y="0"/>
+          <a:ext cx="0" cy="0"/>
+          <a:chOff x="0" y="0"/>
+          <a:chExt cx="0" cy="0"/>
+        </a:xfrm>
+      </p:grpSpPr>
+      <p:sp>
+        <p:nvSpPr>
+          <p:cNvPr id="2" name="タイトル 1"/>
+          <p:cNvSpPr>
+            <a:spLocks noGrp="1"/>
+          </p:cNvSpPr>
+          <p:nvPr>
+            <p:ph type="title"/>
+          </p:nvPr>
+        </p:nvSpPr>
+        <p:spPr/>
+        <p:txBody>
+          <a:bodyPr/>
+          <a:lstStyle/>
+          <a:p>
+            <a:r>
+              <a:rPr kumimoji="1" lang="ja-JP" altLang="en-US" dirty="0" smtClean="0"/>
+              <a:t>次回の目標</a:t>
+            </a:r>
+            <a:endParaRPr kumimoji="1" lang="ja-JP" altLang="en-US" dirty="0"/>
+          </a:p>
+        </p:txBody>
+      </p:sp>
+      <p:sp>
+        <p:nvSpPr>
+          <p:cNvPr id="3" name="コンテンツ プレースホルダー 2"/>
+          <p:cNvSpPr>
+            <a:spLocks noGrp="1"/>
+          </p:cNvSpPr>
+          <p:nvPr>
+            <p:ph idx="1"/>
+          </p:nvPr>
+        </p:nvSpPr>
+        <p:spPr/>
+        <p:txBody>
+          <a:bodyPr/>
+          <a:lstStyle/>
+          <a:p>
+            <a:r>
+              <a:rPr kumimoji="1" lang="ja-JP" altLang="en-US" dirty="0" smtClean="0"/>
+              <a:t>ノイズ対策</a:t>
+            </a:r>
+            <a:endParaRPr kumimoji="1" lang="en-US" altLang="ja-JP" dirty="0" smtClean="0"/>
+          </a:p>
+          <a:p>
+            <a:r>
+              <a:rPr lang="ja-JP" altLang="en-US" dirty="0" smtClean="0"/>
+              <a:t>もっと凝った</a:t>
+            </a:r>
+            <a:r>
+              <a:rPr lang="ja-JP" altLang="en-US" dirty="0"/>
+              <a:t>シーン</a:t>
+            </a:r>
+            <a:r>
+              <a:rPr lang="ja-JP" altLang="en-US" dirty="0" smtClean="0"/>
+              <a:t>を素早くレンダリングできるように</a:t>
+            </a:r>
+            <a:endParaRPr lang="en-US" altLang="ja-JP" dirty="0" smtClean="0"/>
+          </a:p>
+          <a:p>
+            <a:r>
+              <a:rPr lang="ja-JP" altLang="en-US" dirty="0" smtClean="0"/>
+              <a:t>スプラトゥーン欲しい</a:t>
+            </a:r>
+            <a:endParaRPr lang="en-US" altLang="ja-JP" dirty="0" smtClean="0"/>
+          </a:p>
+        </p:txBody>
+      </p:sp>
+    </p:spTree>
+    <p:extLst>
+      <p:ext uri="{BB962C8B-B14F-4D97-AF65-F5344CB8AC3E}">
+        <p14:creationId xmlns:p14="http://schemas.microsoft.com/office/powerpoint/2010/main" val="982017929"/>
+      </p:ext>
+    </p:extLst>
+  </p:cSld>
+  <p:clrMapOvr>
+    <a:masterClrMapping/>
+  </p:clrMapOvr>
+  <p:timing>
+    <p:tnLst>
+      <p:par>
+        <p:cTn id="1" dur="indefinite" restart="never" nodeType="tmRoot"/>
+      </p:par>
+    </p:tnLst>
+  </p:timing>
+</p:sld>
+</file>
+
+<file path=ppt/slides/slide22.xml><?xml version="1.0" encoding="utf-8"?>
+<p:sld xmlns:a="http://schemas.openxmlformats.org/drawingml/2006/main" xmlns:r="http://schemas.openxmlformats.org/officeDocument/2006/relationships" xmlns:p="http://schemas.openxmlformats.org/presentationml/2006/main">
+  <p:cSld>
+    <p:spTree>
+      <p:nvGrpSpPr>
+        <p:cNvPr id="1" name=""/>
+        <p:cNvGrpSpPr/>
+        <p:nvPr/>
+      </p:nvGrpSpPr>
+      <p:grpSpPr>
+        <a:xfrm>
+          <a:off x="0" y="0"/>
+          <a:ext cx="0" cy="0"/>
+          <a:chOff x="0" y="0"/>
+          <a:chExt cx="0" cy="0"/>
+        </a:xfrm>
+      </p:grpSpPr>
+      <p:sp>
+        <p:nvSpPr>
+          <p:cNvPr id="2" name="タイトル 1"/>
+          <p:cNvSpPr>
+            <a:spLocks noGrp="1"/>
+          </p:cNvSpPr>
+          <p:nvPr>
+            <p:ph type="title"/>
+          </p:nvPr>
+        </p:nvSpPr>
+        <p:spPr/>
+        <p:txBody>
+          <a:bodyPr/>
+          <a:lstStyle/>
+          <a:p>
+            <a:r>
+              <a:rPr kumimoji="1" lang="ja-JP" altLang="en-US" dirty="0" smtClean="0"/>
+              <a:t>おわりです</a:t>
+            </a:r>
+            <a:endParaRPr kumimoji="1" lang="ja-JP" altLang="en-US" dirty="0"/>
+          </a:p>
+        </p:txBody>
+      </p:sp>
+      <p:sp>
+        <p:nvSpPr>
+          <p:cNvPr id="3" name="コンテンツ プレースホルダー 2"/>
+          <p:cNvSpPr>
+            <a:spLocks noGrp="1"/>
+          </p:cNvSpPr>
+          <p:nvPr>
+            <p:ph idx="1"/>
+          </p:nvPr>
+        </p:nvSpPr>
+        <p:spPr/>
+        <p:txBody>
+          <a:bodyPr/>
+          <a:lstStyle/>
+          <a:p>
+            <a:r>
+              <a:rPr kumimoji="1" lang="ja-JP" altLang="en-US" dirty="0" smtClean="0"/>
+              <a:t>何か質問はありますか</a:t>
+            </a:r>
+            <a:r>
+              <a:rPr kumimoji="1" lang="en-US" altLang="ja-JP" dirty="0" smtClean="0"/>
+              <a:t>??</a:t>
+            </a:r>
+            <a:endParaRPr kumimoji="1" lang="ja-JP" altLang="en-US" dirty="0"/>
+          </a:p>
+        </p:txBody>
+      </p:sp>
+    </p:spTree>
+    <p:extLst>
+      <p:ext uri="{BB962C8B-B14F-4D97-AF65-F5344CB8AC3E}">
+        <p14:creationId xmlns:p14="http://schemas.microsoft.com/office/powerpoint/2010/main" val="93968802"/>
       </p:ext>
     </p:extLst>
   </p:cSld>
@@ -4867,30 +5438,22 @@
               <a:t>2!! </a:t>
             </a:r>
             <a:r>
-              <a:rPr lang="ja-JP" altLang="en-US" dirty="0" err="1"/>
-              <a:t>で</a:t>
-            </a:r>
-            <a:r>
-              <a:rPr kumimoji="1" lang="ja-JP" altLang="en-US" dirty="0" err="1" smtClean="0"/>
-              <a:t>の</a:t>
-            </a:r>
-            <a:r>
               <a:rPr kumimoji="1" lang="ja-JP" altLang="en-US" dirty="0" smtClean="0"/>
-              <a:t>反省</a:t>
+              <a:t>の反省</a:t>
             </a:r>
             <a:endParaRPr kumimoji="1" lang="en-US" altLang="ja-JP" dirty="0" smtClean="0"/>
           </a:p>
           <a:p>
             <a:r>
               <a:rPr lang="ja-JP" altLang="en-US" dirty="0" smtClean="0"/>
-              <a:t>今回の実装内容</a:t>
+              <a:t>今回の挑戦したこと</a:t>
             </a:r>
             <a:endParaRPr lang="en-US" altLang="ja-JP" dirty="0" smtClean="0"/>
           </a:p>
           <a:p>
             <a:r>
               <a:rPr lang="ja-JP" altLang="en-US" dirty="0" smtClean="0"/>
-              <a:t>レイトレーサーの特徴</a:t>
+              <a:t>作ったレイトレーサーについて</a:t>
             </a:r>
             <a:endParaRPr lang="en-US" altLang="ja-JP" dirty="0" smtClean="0"/>
           </a:p>
@@ -4970,40 +5533,42 @@
               <a:t>2!! </a:t>
             </a:r>
             <a:r>
-              <a:rPr lang="ja-JP" altLang="en-US" dirty="0" err="1"/>
-              <a:t>で</a:t>
-            </a:r>
-            <a:r>
-              <a:rPr kumimoji="1" lang="ja-JP" altLang="en-US" dirty="0" err="1" smtClean="0"/>
-              <a:t>の</a:t>
-            </a:r>
-            <a:r>
               <a:rPr kumimoji="1" lang="ja-JP" altLang="en-US" dirty="0" smtClean="0"/>
-              <a:t>反省</a:t>
+              <a:t>の反省</a:t>
             </a:r>
             <a:endParaRPr kumimoji="1" lang="ja-JP" altLang="en-US" dirty="0"/>
           </a:p>
         </p:txBody>
       </p:sp>
-      <p:sp>
-        <p:nvSpPr>
-          <p:cNvPr id="3" name="コンテンツ プレースホルダー 2"/>
-          <p:cNvSpPr>
-            <a:spLocks noGrp="1"/>
-          </p:cNvSpPr>
+      <p:pic>
+        <p:nvPicPr>
+          <p:cNvPr id="4" name="コンテンツ プレースホルダー 3"/>
+          <p:cNvPicPr>
+            <a:picLocks noGrp="1" noChangeAspect="1"/>
+          </p:cNvPicPr>
           <p:nvPr>
             <p:ph idx="1"/>
           </p:nvPr>
-        </p:nvSpPr>
-        <p:spPr/>
-        <p:txBody>
-          <a:bodyPr/>
-          <a:lstStyle/>
-          <a:p>
-            <a:endParaRPr kumimoji="1" lang="ja-JP" altLang="en-US" dirty="0"/>
-          </a:p>
-        </p:txBody>
-      </p:sp>
+        </p:nvPicPr>
+        <p:blipFill>
+          <a:blip r:embed="rId2">
+            <a:extLst>
+              <a:ext uri="{28A0092B-C50C-407E-A947-70E740481C1C}">
+                <a14:useLocalDpi xmlns:a14="http://schemas.microsoft.com/office/drawing/2010/main" val="0"/>
+              </a:ext>
+            </a:extLst>
+          </a:blip>
+          <a:stretch>
+            <a:fillRect/>
+          </a:stretch>
+        </p:blipFill>
+        <p:spPr>
+          <a:xfrm>
+            <a:off x="2133600" y="2443162"/>
+            <a:ext cx="4876800" cy="3238500"/>
+          </a:xfrm>
+        </p:spPr>
+      </p:pic>
     </p:spTree>
     <p:extLst>
       <p:ext uri="{BB962C8B-B14F-4D97-AF65-F5344CB8AC3E}">
@@ -5067,16 +5632,8 @@
               <a:t>2!! </a:t>
             </a:r>
             <a:r>
-              <a:rPr lang="ja-JP" altLang="en-US" dirty="0" err="1"/>
-              <a:t>で</a:t>
-            </a:r>
-            <a:r>
-              <a:rPr kumimoji="1" lang="ja-JP" altLang="en-US" dirty="0" err="1" smtClean="0"/>
-              <a:t>の</a:t>
-            </a:r>
-            <a:r>
               <a:rPr kumimoji="1" lang="ja-JP" altLang="en-US" dirty="0" smtClean="0"/>
-              <a:t>反省</a:t>
+              <a:t>の反省</a:t>
             </a:r>
             <a:endParaRPr kumimoji="1" lang="ja-JP" altLang="en-US" dirty="0"/>
           </a:p>
@@ -5096,33 +5653,33 @@
         <p:txBody>
           <a:bodyPr/>
           <a:lstStyle/>
+          <a:p>
+            <a:r>
+              <a:rPr lang="ja-JP" altLang="en-US" dirty="0" smtClean="0"/>
+              <a:t>拡散、鏡面、屈折</a:t>
+            </a:r>
+            <a:r>
+              <a:rPr lang="ja-JP" altLang="en-US" dirty="0"/>
+              <a:t>を</a:t>
+            </a:r>
+            <a:r>
+              <a:rPr lang="ja-JP" altLang="en-US" dirty="0" smtClean="0"/>
+              <a:t>実装できて満足</a:t>
+            </a:r>
+            <a:endParaRPr lang="en-US" altLang="ja-JP" dirty="0" smtClean="0"/>
+          </a:p>
+          <a:p>
+            <a:r>
+              <a:rPr kumimoji="1" lang="ja-JP" altLang="en-US" dirty="0" smtClean="0"/>
+              <a:t>被写界深度も実装できて満足</a:t>
+            </a:r>
+          </a:p>
           <a:p>
             <a:r>
               <a:rPr kumimoji="1" lang="ja-JP" altLang="en-US" dirty="0" smtClean="0"/>
               <a:t>レイとポリゴンの交差判定を甘くみてた</a:t>
             </a:r>
             <a:endParaRPr kumimoji="1" lang="en-US" altLang="ja-JP" dirty="0" smtClean="0"/>
-          </a:p>
-          <a:p>
-            <a:r>
-              <a:rPr lang="ja-JP" altLang="en-US" dirty="0" smtClean="0"/>
-              <a:t>拡散、鏡面、屈折</a:t>
-            </a:r>
-            <a:r>
-              <a:rPr lang="ja-JP" altLang="en-US" dirty="0"/>
-              <a:t>を</a:t>
-            </a:r>
-            <a:r>
-              <a:rPr lang="ja-JP" altLang="en-US" dirty="0" smtClean="0"/>
-              <a:t>実装できて満足</a:t>
-            </a:r>
-            <a:endParaRPr lang="en-US" altLang="ja-JP" dirty="0" smtClean="0"/>
-          </a:p>
-          <a:p>
-            <a:r>
-              <a:rPr kumimoji="1" lang="ja-JP" altLang="en-US" dirty="0" smtClean="0"/>
-              <a:t>被写界深度も実装できて満足</a:t>
-            </a:r>
           </a:p>
         </p:txBody>
       </p:sp>
@@ -5180,7 +5737,7 @@
           <a:p>
             <a:r>
               <a:rPr kumimoji="1" lang="ja-JP" altLang="en-US" dirty="0" smtClean="0"/>
-              <a:t>今回の実装内容</a:t>
+              <a:t>今回挑戦したこと</a:t>
             </a:r>
             <a:endParaRPr kumimoji="1" lang="ja-JP" altLang="en-US" dirty="0"/>
           </a:p>
@@ -5201,33 +5758,14 @@
           <a:bodyPr/>
           <a:lstStyle/>
           <a:p>
-            <a:r>
-              <a:rPr kumimoji="1" lang="ja-JP" altLang="en-US" dirty="0" smtClean="0"/>
-              <a:t>レイとポリゴンの交差判定の高速化</a:t>
-            </a:r>
-            <a:endParaRPr kumimoji="1" lang="en-US" altLang="ja-JP" dirty="0" smtClean="0"/>
-          </a:p>
-          <a:p>
-            <a:r>
-              <a:rPr lang="en-US" altLang="ja-JP" dirty="0" smtClean="0"/>
-              <a:t>IBL</a:t>
-            </a:r>
-            <a:r>
-              <a:rPr lang="ja-JP" altLang="en-US" dirty="0"/>
-              <a:t>を</a:t>
-            </a:r>
-            <a:r>
-              <a:rPr lang="ja-JP" altLang="en-US" dirty="0" smtClean="0"/>
-              <a:t>実装</a:t>
-            </a:r>
-            <a:endParaRPr lang="en-US" altLang="ja-JP" dirty="0" smtClean="0"/>
+            <a:endParaRPr kumimoji="1" lang="ja-JP" altLang="en-US"/>
           </a:p>
         </p:txBody>
       </p:sp>
     </p:spTree>
     <p:extLst>
       <p:ext uri="{BB962C8B-B14F-4D97-AF65-F5344CB8AC3E}">
-        <p14:creationId xmlns:p14="http://schemas.microsoft.com/office/powerpoint/2010/main" val="3998879506"/>
+        <p14:creationId xmlns:p14="http://schemas.microsoft.com/office/powerpoint/2010/main" val="90834000"/>
       </p:ext>
     </p:extLst>
   </p:cSld>
@@ -5273,14 +5811,16 @@
         </p:nvSpPr>
         <p:spPr/>
         <p:txBody>
-          <a:bodyPr>
-            <a:normAutofit/>
-          </a:bodyPr>
+          <a:bodyPr/>
           <a:lstStyle/>
           <a:p>
             <a:r>
               <a:rPr kumimoji="1" lang="ja-JP" altLang="en-US" dirty="0" smtClean="0"/>
-              <a:t>レイとポリゴンの交差判定</a:t>
+              <a:t>今回</a:t>
+            </a:r>
+            <a:r>
+              <a:rPr lang="ja-JP" altLang="en-US" dirty="0" smtClean="0"/>
+              <a:t>挑戦したこと</a:t>
             </a:r>
             <a:endParaRPr kumimoji="1" lang="ja-JP" altLang="en-US" dirty="0"/>
           </a:p>
@@ -5302,55 +5842,47 @@
           <a:lstStyle/>
           <a:p>
             <a:r>
-              <a:rPr lang="en-US" altLang="ja-JP" dirty="0" smtClean="0">
-                <a:hlinkClick r:id="rId2"/>
-              </a:rPr>
-              <a:t>http</a:t>
-            </a:r>
-            <a:r>
-              <a:rPr lang="en-US" altLang="ja-JP" dirty="0">
-                <a:hlinkClick r:id="rId2"/>
-              </a:rPr>
-              <a:t>://</a:t>
-            </a:r>
-            <a:r>
-              <a:rPr lang="en-US" altLang="ja-JP" dirty="0" smtClean="0">
-                <a:hlinkClick r:id="rId2"/>
-              </a:rPr>
-              <a:t>qiita.com/omochi64/items/9336f57118ba918f82ec</a:t>
+              <a:rPr kumimoji="1" lang="ja-JP" altLang="en-US" dirty="0" smtClean="0"/>
+              <a:t>レイとポリゴンの交差判定の高速化</a:t>
+            </a:r>
+            <a:endParaRPr kumimoji="1" lang="en-US" altLang="ja-JP" dirty="0" smtClean="0"/>
+          </a:p>
+          <a:p>
+            <a:r>
+              <a:rPr lang="en-US" altLang="ja-JP" dirty="0" smtClean="0"/>
+              <a:t>IBL</a:t>
+            </a:r>
+            <a:r>
+              <a:rPr lang="ja-JP" altLang="en-US" dirty="0"/>
+              <a:t>を</a:t>
+            </a:r>
+            <a:r>
+              <a:rPr lang="ja-JP" altLang="en-US" dirty="0" smtClean="0"/>
+              <a:t>実装</a:t>
             </a:r>
             <a:endParaRPr lang="en-US" altLang="ja-JP" dirty="0" smtClean="0"/>
           </a:p>
           <a:p>
-            <a:pPr lvl="1"/>
-            <a:r>
-              <a:rPr lang="ja-JP" altLang="en-US" dirty="0"/>
-              <a:t>お餅さんの</a:t>
-            </a:r>
-            <a:r>
-              <a:rPr lang="en-US" altLang="ja-JP" dirty="0"/>
-              <a:t>BVH</a:t>
-            </a:r>
-            <a:r>
-              <a:rPr lang="ja-JP" altLang="en-US" dirty="0"/>
-              <a:t>の実装がとても参考になりました</a:t>
-            </a:r>
-            <a:r>
-              <a:rPr lang="en-US" altLang="ja-JP" dirty="0"/>
-              <a:t>!! </a:t>
-            </a:r>
-            <a:r>
-              <a:rPr lang="ja-JP" altLang="en-US" dirty="0"/>
-              <a:t>多謝</a:t>
-            </a:r>
-            <a:endParaRPr kumimoji="1" lang="ja-JP" altLang="en-US" dirty="0"/>
+            <a:r>
+              <a:rPr lang="ja-JP" altLang="en-US" dirty="0" smtClean="0"/>
+              <a:t>食い違い行列</a:t>
+            </a:r>
+            <a:r>
+              <a:rPr lang="en-US" altLang="ja-JP" dirty="0" smtClean="0"/>
+              <a:t>(QMC)</a:t>
+            </a:r>
+            <a:r>
+              <a:rPr lang="ja-JP" altLang="en-US" dirty="0" smtClean="0"/>
+              <a:t>の再実装</a:t>
+            </a:r>
+            <a:endParaRPr lang="en-US" altLang="ja-JP" dirty="0" smtClean="0"/>
           </a:p>
         </p:txBody>
       </p:sp>
     </p:spTree>
     <p:extLst>
       <p:ext uri="{BB962C8B-B14F-4D97-AF65-F5344CB8AC3E}">
-        <p14:creationId xmlns:p14="http://schemas.microsoft.com/office/powerpoint/2010/main" val="907677600"/>
+        <p14:creationId xmlns:p14="http://schemas.microsoft.com/office/powerpoint/2010/main" val="3998879506"/>
       </p:ext>
     </p:extLst>
   </p:cSld>
@@ -5396,16 +5928,14 @@
         </p:nvSpPr>
         <p:spPr/>
         <p:txBody>
-          <a:bodyPr/>
-          <a:lstStyle/>
-          <a:p>
-            <a:r>
-              <a:rPr kumimoji="1" lang="en-US" altLang="ja-JP" dirty="0" smtClean="0"/>
-              <a:t>IBL</a:t>
-            </a:r>
+          <a:bodyPr>
+            <a:normAutofit/>
+          </a:bodyPr>
+          <a:lstStyle/>
+          <a:p>
             <a:r>
               <a:rPr kumimoji="1" lang="ja-JP" altLang="en-US" dirty="0" smtClean="0"/>
-              <a:t>を実装</a:t>
+              <a:t>レイとポリゴンの交差判定</a:t>
             </a:r>
             <a:endParaRPr kumimoji="1" lang="ja-JP" altLang="en-US" dirty="0"/>
           </a:p>
@@ -5426,17 +5956,23 @@
           <a:bodyPr/>
           <a:lstStyle/>
           <a:p>
+            <a:r>
+              <a:rPr lang="en-US" altLang="ja-JP" dirty="0" smtClean="0">
+                <a:hlinkClick r:id="rId2"/>
+              </a:rPr>
+              <a:t>http</a:t>
+            </a:r>
             <a:r>
               <a:rPr lang="en-US" altLang="ja-JP" dirty="0">
                 <a:hlinkClick r:id="rId2"/>
               </a:rPr>
-              <a:t>http://</a:t>
+              <a:t>://</a:t>
             </a:r>
             <a:r>
               <a:rPr lang="en-US" altLang="ja-JP" dirty="0" smtClean="0">
                 <a:hlinkClick r:id="rId2"/>
               </a:rPr>
-              <a:t>qiita.com/omochi64/items/9ecc666f6cb4765443fb</a:t>
+              <a:t>qiita.com/omochi64/items/9336f57118ba918f82ec</a:t>
             </a:r>
             <a:endParaRPr lang="en-US" altLang="ja-JP" dirty="0" smtClean="0"/>
           </a:p>
@@ -5448,7 +5984,7 @@
             </a:r>
             <a:r>
               <a:rPr lang="en-US" altLang="ja-JP" dirty="0"/>
-              <a:t>IBL</a:t>
+              <a:t>BVH</a:t>
             </a:r>
             <a:r>
               <a:rPr lang="ja-JP" altLang="en-US" dirty="0"/>
@@ -5469,7 +6005,7 @@
     </p:spTree>
     <p:extLst>
       <p:ext uri="{BB962C8B-B14F-4D97-AF65-F5344CB8AC3E}">
-        <p14:creationId xmlns:p14="http://schemas.microsoft.com/office/powerpoint/2010/main" val="982347936"/>
+        <p14:creationId xmlns:p14="http://schemas.microsoft.com/office/powerpoint/2010/main" val="907677600"/>
       </p:ext>
     </p:extLst>
   </p:cSld>

--- a/レイトレ合宿3!!!.pptx
+++ b/レイトレ合宿3!!!.pptx
@@ -181,7 +181,7 @@
           <a:bodyPr anchor="b"/>
           <a:lstStyle>
             <a:lvl1pPr algn="r">
-              <a:defRPr b="1">
+              <a:defRPr b="0">
                 <a:latin typeface="メイリオ" panose="020B0604030504040204" pitchFamily="50" charset="-128"/>
                 <a:ea typeface="メイリオ" panose="020B0604030504040204" pitchFamily="50" charset="-128"/>
                 <a:cs typeface="メイリオ" panose="020B0604030504040204" pitchFamily="50" charset="-128"/>
@@ -547,7 +547,7 @@
           <a:p>
             <a:fld id="{31C76B30-CD55-4D78-B276-791C08D4B3D1}" type="datetimeFigureOut">
               <a:rPr kumimoji="1" lang="ja-JP" altLang="en-US" smtClean="0"/>
-              <a:t>2015/8/27</a:t>
+              <a:t>2015/8/28</a:t>
             </a:fld>
             <a:endParaRPr kumimoji="1" lang="ja-JP" altLang="en-US"/>
           </a:p>
@@ -759,7 +759,7 @@
           <a:p>
             <a:fld id="{31C76B30-CD55-4D78-B276-791C08D4B3D1}" type="datetimeFigureOut">
               <a:rPr kumimoji="1" lang="ja-JP" altLang="en-US" smtClean="0"/>
-              <a:t>2015/8/27</a:t>
+              <a:t>2015/8/28</a:t>
             </a:fld>
             <a:endParaRPr kumimoji="1" lang="ja-JP" altLang="en-US"/>
           </a:p>
@@ -1290,7 +1290,7 @@
           <a:p>
             <a:fld id="{31C76B30-CD55-4D78-B276-791C08D4B3D1}" type="datetimeFigureOut">
               <a:rPr kumimoji="1" lang="ja-JP" altLang="en-US" smtClean="0"/>
-              <a:t>2015/8/27</a:t>
+              <a:t>2015/8/28</a:t>
             </a:fld>
             <a:endParaRPr kumimoji="1" lang="ja-JP" altLang="en-US"/>
           </a:p>
@@ -1642,7 +1642,7 @@
           <a:p>
             <a:fld id="{31C76B30-CD55-4D78-B276-791C08D4B3D1}" type="datetimeFigureOut">
               <a:rPr kumimoji="1" lang="ja-JP" altLang="en-US" smtClean="0"/>
-              <a:t>2015/8/27</a:t>
+              <a:t>2015/8/28</a:t>
             </a:fld>
             <a:endParaRPr kumimoji="1" lang="ja-JP" altLang="en-US"/>
           </a:p>
@@ -2128,7 +2128,7 @@
           <a:p>
             <a:fld id="{31C76B30-CD55-4D78-B276-791C08D4B3D1}" type="datetimeFigureOut">
               <a:rPr kumimoji="1" lang="ja-JP" altLang="en-US" smtClean="0"/>
-              <a:t>2015/8/27</a:t>
+              <a:t>2015/8/28</a:t>
             </a:fld>
             <a:endParaRPr kumimoji="1" lang="ja-JP" altLang="en-US"/>
           </a:p>
@@ -2246,7 +2246,7 @@
           <a:p>
             <a:fld id="{31C76B30-CD55-4D78-B276-791C08D4B3D1}" type="datetimeFigureOut">
               <a:rPr kumimoji="1" lang="ja-JP" altLang="en-US" smtClean="0"/>
-              <a:t>2015/8/27</a:t>
+              <a:t>2015/8/28</a:t>
             </a:fld>
             <a:endParaRPr kumimoji="1" lang="ja-JP" altLang="en-US"/>
           </a:p>
@@ -2341,7 +2341,7 @@
           <a:p>
             <a:fld id="{31C76B30-CD55-4D78-B276-791C08D4B3D1}" type="datetimeFigureOut">
               <a:rPr kumimoji="1" lang="ja-JP" altLang="en-US" smtClean="0"/>
-              <a:t>2015/8/27</a:t>
+              <a:t>2015/8/28</a:t>
             </a:fld>
             <a:endParaRPr kumimoji="1" lang="ja-JP" altLang="en-US"/>
           </a:p>
@@ -2650,7 +2650,7 @@
           <a:p>
             <a:fld id="{31C76B30-CD55-4D78-B276-791C08D4B3D1}" type="datetimeFigureOut">
               <a:rPr kumimoji="1" lang="ja-JP" altLang="en-US" smtClean="0"/>
-              <a:t>2015/8/27</a:t>
+              <a:t>2015/8/28</a:t>
             </a:fld>
             <a:endParaRPr kumimoji="1" lang="ja-JP" altLang="en-US"/>
           </a:p>
@@ -2907,7 +2907,7 @@
           <a:p>
             <a:fld id="{31C76B30-CD55-4D78-B276-791C08D4B3D1}" type="datetimeFigureOut">
               <a:rPr kumimoji="1" lang="ja-JP" altLang="en-US" smtClean="0"/>
-              <a:t>2015/8/27</a:t>
+              <a:t>2015/8/28</a:t>
             </a:fld>
             <a:endParaRPr kumimoji="1" lang="ja-JP" altLang="en-US"/>
           </a:p>
@@ -3152,7 +3152,7 @@
           <a:p>
             <a:fld id="{31C76B30-CD55-4D78-B276-791C08D4B3D1}" type="datetimeFigureOut">
               <a:rPr kumimoji="1" lang="ja-JP" altLang="en-US" smtClean="0"/>
-              <a:t>2015/8/27</a:t>
+              <a:t>2015/8/28</a:t>
             </a:fld>
             <a:endParaRPr kumimoji="1" lang="ja-JP" altLang="en-US"/>
           </a:p>
@@ -4010,32 +4010,46 @@
           <a:lstStyle/>
           <a:p>
             <a:r>
+              <a:rPr lang="ja-JP" altLang="en-US" dirty="0"/>
+              <a:t>拙作</a:t>
+            </a:r>
+            <a:r>
               <a:rPr kumimoji="1" lang="ja-JP" altLang="en-US" dirty="0" smtClean="0"/>
-              <a:t>レイトレーサーの特徴</a:t>
+              <a:t>レイトレーサーについて</a:t>
             </a:r>
             <a:endParaRPr kumimoji="1" lang="ja-JP" altLang="en-US" dirty="0"/>
           </a:p>
         </p:txBody>
       </p:sp>
-      <p:sp>
-        <p:nvSpPr>
-          <p:cNvPr id="3" name="コンテンツ プレースホルダー 2"/>
-          <p:cNvSpPr>
-            <a:spLocks noGrp="1"/>
-          </p:cNvSpPr>
+      <p:pic>
+        <p:nvPicPr>
+          <p:cNvPr id="4" name="コンテンツ プレースホルダー 3"/>
+          <p:cNvPicPr>
+            <a:picLocks noGrp="1" noChangeAspect="1"/>
+          </p:cNvPicPr>
           <p:nvPr>
             <p:ph idx="1"/>
           </p:nvPr>
-        </p:nvSpPr>
-        <p:spPr/>
-        <p:txBody>
-          <a:bodyPr/>
-          <a:lstStyle/>
-          <a:p>
-            <a:endParaRPr kumimoji="1" lang="ja-JP" altLang="en-US"/>
-          </a:p>
-        </p:txBody>
-      </p:sp>
+        </p:nvPicPr>
+        <p:blipFill>
+          <a:blip r:embed="rId2">
+            <a:extLst>
+              <a:ext uri="{28A0092B-C50C-407E-A947-70E740481C1C}">
+                <a14:useLocalDpi xmlns:a14="http://schemas.microsoft.com/office/drawing/2010/main" val="0"/>
+              </a:ext>
+            </a:extLst>
+          </a:blip>
+          <a:stretch>
+            <a:fillRect/>
+          </a:stretch>
+        </p:blipFill>
+        <p:spPr>
+          <a:xfrm>
+            <a:off x="1524000" y="1786686"/>
+            <a:ext cx="6096000" cy="4572000"/>
+          </a:xfrm>
+        </p:spPr>
+      </p:pic>
     </p:spTree>
     <p:extLst>
       <p:ext uri="{BB962C8B-B14F-4D97-AF65-F5344CB8AC3E}">
@@ -4085,12 +4099,14 @@
         </p:nvSpPr>
         <p:spPr/>
         <p:txBody>
-          <a:bodyPr/>
+          <a:bodyPr>
+            <a:normAutofit/>
+          </a:bodyPr>
           <a:lstStyle/>
           <a:p>
             <a:r>
               <a:rPr kumimoji="1" lang="ja-JP" altLang="en-US" dirty="0" smtClean="0"/>
-              <a:t>レイトレーサーの特徴</a:t>
+              <a:t>拙作レイトレーサーについて</a:t>
             </a:r>
             <a:endParaRPr kumimoji="1" lang="ja-JP" altLang="en-US" dirty="0"/>
           </a:p>
@@ -4207,7 +4223,7 @@
           <a:p>
             <a:r>
               <a:rPr kumimoji="1" lang="ja-JP" altLang="en-US" dirty="0" smtClean="0"/>
-              <a:t>レイトレーサーの特徴</a:t>
+              <a:t>拙作レイトレーサーについて</a:t>
             </a:r>
             <a:endParaRPr kumimoji="1" lang="ja-JP" altLang="en-US" dirty="0"/>
           </a:p>
@@ -4298,7 +4314,7 @@
           <a:p>
             <a:r>
               <a:rPr kumimoji="1" lang="ja-JP" altLang="en-US" dirty="0" smtClean="0"/>
-              <a:t>レイトレーサーの特徴</a:t>
+              <a:t>拙作レイトレーサーについて</a:t>
             </a:r>
             <a:endParaRPr kumimoji="1" lang="ja-JP" altLang="en-US" dirty="0"/>
           </a:p>
@@ -4423,7 +4439,11 @@
           <a:p>
             <a:r>
               <a:rPr kumimoji="1" lang="ja-JP" altLang="en-US" dirty="0" smtClean="0"/>
-              <a:t>レイトレーサーの特徴　</a:t>
+              <a:t>拙作レイトレーサーについて</a:t>
+            </a:r>
+            <a:r>
+              <a:rPr kumimoji="1" lang="ja-JP" altLang="en-US" dirty="0" smtClean="0"/>
+              <a:t>　</a:t>
             </a:r>
             <a:endParaRPr kumimoji="1" lang="ja-JP" altLang="en-US" dirty="0"/>
           </a:p>
@@ -4536,7 +4556,7 @@
           <a:p>
             <a:r>
               <a:rPr kumimoji="1" lang="ja-JP" altLang="en-US" dirty="0" smtClean="0"/>
-              <a:t>レイトレーサーの特徴</a:t>
+              <a:t>拙作レイトレーサーについて</a:t>
             </a:r>
             <a:endParaRPr kumimoji="1" lang="ja-JP" altLang="en-US" dirty="0"/>
           </a:p>
@@ -4555,7 +4575,7 @@
         <p:spPr/>
         <p:txBody>
           <a:bodyPr>
-            <a:normAutofit fontScale="92500" lnSpcReduction="10000"/>
+            <a:normAutofit fontScale="85000" lnSpcReduction="20000"/>
           </a:bodyPr>
           <a:lstStyle/>
           <a:p>
@@ -4665,7 +4685,27 @@
             </a:r>
             <a:r>
               <a:rPr kumimoji="1" lang="ja-JP" altLang="en-US" dirty="0" smtClean="0"/>
-              <a:t>ベクトル・行列演算</a:t>
+              <a:t>ベクトル・行列</a:t>
+            </a:r>
+            <a:r>
+              <a:rPr kumimoji="1" lang="ja-JP" altLang="en-US" dirty="0" smtClean="0"/>
+              <a:t>演算</a:t>
+            </a:r>
+            <a:endParaRPr kumimoji="1" lang="en-US" altLang="ja-JP" dirty="0" smtClean="0"/>
+          </a:p>
+          <a:p>
+            <a:pPr lvl="1"/>
+            <a:r>
+              <a:rPr lang="en-US" altLang="ja-JP" dirty="0" err="1" smtClean="0"/>
+              <a:t>picojoson</a:t>
+            </a:r>
+            <a:r>
+              <a:rPr lang="en-US" altLang="ja-JP" dirty="0" smtClean="0"/>
+              <a:t>: JSON</a:t>
+            </a:r>
+            <a:r>
+              <a:rPr lang="ja-JP" altLang="en-US" dirty="0" smtClean="0"/>
+              <a:t>読み書き</a:t>
             </a:r>
             <a:endParaRPr kumimoji="1" lang="en-US" altLang="ja-JP" dirty="0" smtClean="0"/>
           </a:p>
@@ -4747,25 +4787,35 @@
           </a:p>
         </p:txBody>
       </p:sp>
-      <p:sp>
-        <p:nvSpPr>
-          <p:cNvPr id="3" name="コンテンツ プレースホルダー 2"/>
-          <p:cNvSpPr>
-            <a:spLocks noGrp="1"/>
-          </p:cNvSpPr>
+      <p:pic>
+        <p:nvPicPr>
+          <p:cNvPr id="4" name="コンテンツ プレースホルダー 3"/>
+          <p:cNvPicPr>
+            <a:picLocks noGrp="1" noChangeAspect="1"/>
+          </p:cNvPicPr>
           <p:nvPr>
             <p:ph idx="1"/>
           </p:nvPr>
-        </p:nvSpPr>
-        <p:spPr/>
-        <p:txBody>
-          <a:bodyPr/>
-          <a:lstStyle/>
-          <a:p>
-            <a:endParaRPr kumimoji="1" lang="ja-JP" altLang="en-US"/>
-          </a:p>
-        </p:txBody>
-      </p:sp>
+        </p:nvPicPr>
+        <p:blipFill>
+          <a:blip r:embed="rId2">
+            <a:extLst>
+              <a:ext uri="{28A0092B-C50C-407E-A947-70E740481C1C}">
+                <a14:useLocalDpi xmlns:a14="http://schemas.microsoft.com/office/drawing/2010/main" val="0"/>
+              </a:ext>
+            </a:extLst>
+          </a:blip>
+          <a:stretch>
+            <a:fillRect/>
+          </a:stretch>
+        </p:blipFill>
+        <p:spPr>
+          <a:xfrm>
+            <a:off x="2133600" y="1624012"/>
+            <a:ext cx="4766514" cy="4766514"/>
+          </a:xfrm>
+        </p:spPr>
+      </p:pic>
     </p:spTree>
     <p:extLst>
       <p:ext uri="{BB962C8B-B14F-4D97-AF65-F5344CB8AC3E}">
@@ -4980,11 +5030,7 @@
             </a:r>
             <a:r>
               <a:rPr lang="ja-JP" altLang="en-US" dirty="0" smtClean="0"/>
-              <a:t>ろしいくらいにレイとポリゴンの交差判定が高速に</a:t>
-            </a:r>
-            <a:r>
-              <a:rPr lang="ja-JP" altLang="en-US" dirty="0" smtClean="0"/>
-              <a:t>なった</a:t>
+              <a:t>ろしいくらいにレイとポリゴンの交差判定が高速になった</a:t>
             </a:r>
             <a:r>
               <a:rPr lang="en-US" altLang="ja-JP" dirty="0" smtClean="0"/>
@@ -5446,25 +5492,37 @@
           <a:p>
             <a:r>
               <a:rPr lang="ja-JP" altLang="en-US" dirty="0" smtClean="0"/>
-              <a:t>今回の挑戦したこと</a:t>
+              <a:t>今回挑戦</a:t>
+            </a:r>
+            <a:r>
+              <a:rPr lang="ja-JP" altLang="en-US" dirty="0" smtClean="0"/>
+              <a:t>したこと</a:t>
             </a:r>
             <a:endParaRPr lang="en-US" altLang="ja-JP" dirty="0" smtClean="0"/>
           </a:p>
           <a:p>
             <a:r>
               <a:rPr lang="ja-JP" altLang="en-US" dirty="0" smtClean="0"/>
-              <a:t>作ったレイトレーサーについて</a:t>
+              <a:t>拙作</a:t>
+            </a:r>
+            <a:r>
+              <a:rPr lang="ja-JP" altLang="en-US" dirty="0" smtClean="0"/>
+              <a:t>レイトレーサーについ</a:t>
+            </a:r>
+            <a:r>
+              <a:rPr lang="ja-JP" altLang="en-US" dirty="0"/>
+              <a:t>て</a:t>
             </a:r>
             <a:endParaRPr lang="en-US" altLang="ja-JP" dirty="0" smtClean="0"/>
           </a:p>
           <a:p>
             <a:r>
-              <a:rPr kumimoji="1" lang="ja-JP" altLang="en-US" dirty="0" smtClean="0"/>
-              <a:t>次回</a:t>
-            </a:r>
-            <a:r>
               <a:rPr lang="ja-JP" altLang="en-US" dirty="0" smtClean="0"/>
-              <a:t>の目標</a:t>
+              <a:t>まと</a:t>
+            </a:r>
+            <a:r>
+              <a:rPr lang="ja-JP" altLang="en-US" dirty="0"/>
+              <a:t>め</a:t>
             </a:r>
             <a:endParaRPr kumimoji="1" lang="ja-JP" altLang="en-US" dirty="0"/>
           </a:p>
@@ -5743,25 +5801,35 @@
           </a:p>
         </p:txBody>
       </p:sp>
-      <p:sp>
-        <p:nvSpPr>
-          <p:cNvPr id="3" name="コンテンツ プレースホルダー 2"/>
-          <p:cNvSpPr>
-            <a:spLocks noGrp="1"/>
-          </p:cNvSpPr>
+      <p:pic>
+        <p:nvPicPr>
+          <p:cNvPr id="6" name="コンテンツ プレースホルダー 5"/>
+          <p:cNvPicPr>
+            <a:picLocks noGrp="1" noChangeAspect="1"/>
+          </p:cNvPicPr>
           <p:nvPr>
             <p:ph idx="1"/>
           </p:nvPr>
-        </p:nvSpPr>
-        <p:spPr/>
-        <p:txBody>
-          <a:bodyPr/>
-          <a:lstStyle/>
-          <a:p>
-            <a:endParaRPr kumimoji="1" lang="ja-JP" altLang="en-US"/>
-          </a:p>
-        </p:txBody>
-      </p:sp>
+        </p:nvPicPr>
+        <p:blipFill>
+          <a:blip r:embed="rId2">
+            <a:extLst>
+              <a:ext uri="{28A0092B-C50C-407E-A947-70E740481C1C}">
+                <a14:useLocalDpi xmlns:a14="http://schemas.microsoft.com/office/drawing/2010/main" val="0"/>
+              </a:ext>
+            </a:extLst>
+          </a:blip>
+          <a:stretch>
+            <a:fillRect/>
+          </a:stretch>
+        </p:blipFill>
+        <p:spPr>
+          <a:xfrm>
+            <a:off x="1397000" y="1833562"/>
+            <a:ext cx="6350000" cy="4457700"/>
+          </a:xfrm>
+        </p:spPr>
+      </p:pic>
     </p:spTree>
     <p:extLst>
       <p:ext uri="{BB962C8B-B14F-4D97-AF65-F5344CB8AC3E}">

--- a/レイトレ合宿3!!!.pptx
+++ b/レイトレ合宿3!!!.pptx
@@ -23,10 +23,11 @@
     <p:sldId id="266" r:id="rId17"/>
     <p:sldId id="265" r:id="rId18"/>
     <p:sldId id="267" r:id="rId19"/>
-    <p:sldId id="277" r:id="rId20"/>
-    <p:sldId id="276" r:id="rId21"/>
-    <p:sldId id="268" r:id="rId22"/>
-    <p:sldId id="269" r:id="rId23"/>
+    <p:sldId id="278" r:id="rId20"/>
+    <p:sldId id="277" r:id="rId21"/>
+    <p:sldId id="276" r:id="rId22"/>
+    <p:sldId id="268" r:id="rId23"/>
+    <p:sldId id="269" r:id="rId24"/>
   </p:sldIdLst>
   <p:sldSz cx="9144000" cy="6858000" type="screen4x3"/>
   <p:notesSz cx="6858000" cy="9144000"/>
@@ -547,7 +548,7 @@
           <a:p>
             <a:fld id="{31C76B30-CD55-4D78-B276-791C08D4B3D1}" type="datetimeFigureOut">
               <a:rPr kumimoji="1" lang="ja-JP" altLang="en-US" smtClean="0"/>
-              <a:t>2015/8/28</a:t>
+              <a:t>2015/8/29</a:t>
             </a:fld>
             <a:endParaRPr kumimoji="1" lang="ja-JP" altLang="en-US"/>
           </a:p>
@@ -759,7 +760,7 @@
           <a:p>
             <a:fld id="{31C76B30-CD55-4D78-B276-791C08D4B3D1}" type="datetimeFigureOut">
               <a:rPr kumimoji="1" lang="ja-JP" altLang="en-US" smtClean="0"/>
-              <a:t>2015/8/28</a:t>
+              <a:t>2015/8/29</a:t>
             </a:fld>
             <a:endParaRPr kumimoji="1" lang="ja-JP" altLang="en-US"/>
           </a:p>
@@ -1290,7 +1291,7 @@
           <a:p>
             <a:fld id="{31C76B30-CD55-4D78-B276-791C08D4B3D1}" type="datetimeFigureOut">
               <a:rPr kumimoji="1" lang="ja-JP" altLang="en-US" smtClean="0"/>
-              <a:t>2015/8/28</a:t>
+              <a:t>2015/8/29</a:t>
             </a:fld>
             <a:endParaRPr kumimoji="1" lang="ja-JP" altLang="en-US"/>
           </a:p>
@@ -1642,7 +1643,7 @@
           <a:p>
             <a:fld id="{31C76B30-CD55-4D78-B276-791C08D4B3D1}" type="datetimeFigureOut">
               <a:rPr kumimoji="1" lang="ja-JP" altLang="en-US" smtClean="0"/>
-              <a:t>2015/8/28</a:t>
+              <a:t>2015/8/29</a:t>
             </a:fld>
             <a:endParaRPr kumimoji="1" lang="ja-JP" altLang="en-US"/>
           </a:p>
@@ -2128,7 +2129,7 @@
           <a:p>
             <a:fld id="{31C76B30-CD55-4D78-B276-791C08D4B3D1}" type="datetimeFigureOut">
               <a:rPr kumimoji="1" lang="ja-JP" altLang="en-US" smtClean="0"/>
-              <a:t>2015/8/28</a:t>
+              <a:t>2015/8/29</a:t>
             </a:fld>
             <a:endParaRPr kumimoji="1" lang="ja-JP" altLang="en-US"/>
           </a:p>
@@ -2246,7 +2247,7 @@
           <a:p>
             <a:fld id="{31C76B30-CD55-4D78-B276-791C08D4B3D1}" type="datetimeFigureOut">
               <a:rPr kumimoji="1" lang="ja-JP" altLang="en-US" smtClean="0"/>
-              <a:t>2015/8/28</a:t>
+              <a:t>2015/8/29</a:t>
             </a:fld>
             <a:endParaRPr kumimoji="1" lang="ja-JP" altLang="en-US"/>
           </a:p>
@@ -2341,7 +2342,7 @@
           <a:p>
             <a:fld id="{31C76B30-CD55-4D78-B276-791C08D4B3D1}" type="datetimeFigureOut">
               <a:rPr kumimoji="1" lang="ja-JP" altLang="en-US" smtClean="0"/>
-              <a:t>2015/8/28</a:t>
+              <a:t>2015/8/29</a:t>
             </a:fld>
             <a:endParaRPr kumimoji="1" lang="ja-JP" altLang="en-US"/>
           </a:p>
@@ -2650,7 +2651,7 @@
           <a:p>
             <a:fld id="{31C76B30-CD55-4D78-B276-791C08D4B3D1}" type="datetimeFigureOut">
               <a:rPr kumimoji="1" lang="ja-JP" altLang="en-US" smtClean="0"/>
-              <a:t>2015/8/28</a:t>
+              <a:t>2015/8/29</a:t>
             </a:fld>
             <a:endParaRPr kumimoji="1" lang="ja-JP" altLang="en-US"/>
           </a:p>
@@ -2907,7 +2908,7 @@
           <a:p>
             <a:fld id="{31C76B30-CD55-4D78-B276-791C08D4B3D1}" type="datetimeFigureOut">
               <a:rPr kumimoji="1" lang="ja-JP" altLang="en-US" smtClean="0"/>
-              <a:t>2015/8/28</a:t>
+              <a:t>2015/8/29</a:t>
             </a:fld>
             <a:endParaRPr kumimoji="1" lang="ja-JP" altLang="en-US"/>
           </a:p>
@@ -3152,7 +3153,7 @@
           <a:p>
             <a:fld id="{31C76B30-CD55-4D78-B276-791C08D4B3D1}" type="datetimeFigureOut">
               <a:rPr kumimoji="1" lang="ja-JP" altLang="en-US" smtClean="0"/>
-              <a:t>2015/8/28</a:t>
+              <a:t>2015/8/29</a:t>
             </a:fld>
             <a:endParaRPr kumimoji="1" lang="ja-JP" altLang="en-US"/>
           </a:p>
@@ -4439,11 +4440,7 @@
           <a:p>
             <a:r>
               <a:rPr kumimoji="1" lang="ja-JP" altLang="en-US" dirty="0" smtClean="0"/>
-              <a:t>拙作レイトレーサーについて</a:t>
-            </a:r>
-            <a:r>
-              <a:rPr kumimoji="1" lang="ja-JP" altLang="en-US" dirty="0" smtClean="0"/>
-              <a:t>　</a:t>
+              <a:t>拙作レイトレーサーについて　</a:t>
             </a:r>
             <a:endParaRPr kumimoji="1" lang="ja-JP" altLang="en-US" dirty="0"/>
           </a:p>
@@ -4685,11 +4682,7 @@
             </a:r>
             <a:r>
               <a:rPr kumimoji="1" lang="ja-JP" altLang="en-US" dirty="0" smtClean="0"/>
-              <a:t>ベクトル・行列</a:t>
-            </a:r>
-            <a:r>
-              <a:rPr kumimoji="1" lang="ja-JP" altLang="en-US" dirty="0" smtClean="0"/>
-              <a:t>演算</a:t>
+              <a:t>ベクトル・行列演算</a:t>
             </a:r>
             <a:endParaRPr kumimoji="1" lang="en-US" altLang="ja-JP" dirty="0" smtClean="0"/>
           </a:p>
@@ -4748,6 +4741,219 @@
 </file>
 
 <file path=ppt/slides/slide19.xml><?xml version="1.0" encoding="utf-8"?>
+<p:sld xmlns:a="http://schemas.openxmlformats.org/drawingml/2006/main" xmlns:r="http://schemas.openxmlformats.org/officeDocument/2006/relationships" xmlns:p="http://schemas.openxmlformats.org/presentationml/2006/main">
+  <p:cSld>
+    <p:spTree>
+      <p:nvGrpSpPr>
+        <p:cNvPr id="1" name=""/>
+        <p:cNvGrpSpPr/>
+        <p:nvPr/>
+      </p:nvGrpSpPr>
+      <p:grpSpPr>
+        <a:xfrm>
+          <a:off x="0" y="0"/>
+          <a:ext cx="0" cy="0"/>
+          <a:chOff x="0" y="0"/>
+          <a:chExt cx="0" cy="0"/>
+        </a:xfrm>
+      </p:grpSpPr>
+      <p:sp>
+        <p:nvSpPr>
+          <p:cNvPr id="2" name="タイトル 1"/>
+          <p:cNvSpPr>
+            <a:spLocks noGrp="1"/>
+          </p:cNvSpPr>
+          <p:nvPr>
+            <p:ph type="title"/>
+          </p:nvPr>
+        </p:nvSpPr>
+        <p:spPr/>
+        <p:txBody>
+          <a:bodyPr/>
+          <a:lstStyle/>
+          <a:p>
+            <a:r>
+              <a:rPr kumimoji="1" lang="ja-JP" altLang="en-US" dirty="0" smtClean="0"/>
+              <a:t>拙作レイトレーサーについて</a:t>
+            </a:r>
+            <a:endParaRPr kumimoji="1" lang="ja-JP" altLang="en-US" dirty="0"/>
+          </a:p>
+        </p:txBody>
+      </p:sp>
+      <p:sp>
+        <p:nvSpPr>
+          <p:cNvPr id="3" name="コンテンツ プレースホルダー 2"/>
+          <p:cNvSpPr>
+            <a:spLocks noGrp="1"/>
+          </p:cNvSpPr>
+          <p:nvPr>
+            <p:ph idx="1"/>
+          </p:nvPr>
+        </p:nvSpPr>
+        <p:spPr/>
+        <p:txBody>
+          <a:bodyPr/>
+          <a:lstStyle/>
+          <a:p>
+            <a:r>
+              <a:rPr kumimoji="1" lang="ja-JP" altLang="en-US" dirty="0" smtClean="0"/>
+              <a:t>詳しくは</a:t>
+            </a:r>
+            <a:r>
+              <a:rPr kumimoji="1" lang="en-US" altLang="ja-JP" dirty="0" err="1" smtClean="0"/>
+              <a:t>Github</a:t>
+            </a:r>
+            <a:r>
+              <a:rPr kumimoji="1" lang="ja-JP" altLang="en-US" dirty="0" smtClean="0"/>
+              <a:t>で</a:t>
+            </a:r>
+            <a:endParaRPr kumimoji="1" lang="en-US" altLang="ja-JP" dirty="0" smtClean="0"/>
+          </a:p>
+          <a:p>
+            <a:pPr lvl="1"/>
+            <a:r>
+              <a:rPr lang="en-US" altLang="ja-JP" sz="2400" dirty="0"/>
+              <a:t>https://github.com/tek-nishi/SecondRayTrace</a:t>
+            </a:r>
+            <a:endParaRPr kumimoji="1" lang="ja-JP" altLang="en-US" sz="2400" dirty="0"/>
+          </a:p>
+        </p:txBody>
+      </p:sp>
+    </p:spTree>
+    <p:extLst>
+      <p:ext uri="{BB962C8B-B14F-4D97-AF65-F5344CB8AC3E}">
+        <p14:creationId xmlns:p14="http://schemas.microsoft.com/office/powerpoint/2010/main" val="796478117"/>
+      </p:ext>
+    </p:extLst>
+  </p:cSld>
+  <p:clrMapOvr>
+    <a:masterClrMapping/>
+  </p:clrMapOvr>
+</p:sld>
+</file>
+
+<file path=ppt/slides/slide2.xml><?xml version="1.0" encoding="utf-8"?>
+<p:sld xmlns:a="http://schemas.openxmlformats.org/drawingml/2006/main" xmlns:r="http://schemas.openxmlformats.org/officeDocument/2006/relationships" xmlns:p="http://schemas.openxmlformats.org/presentationml/2006/main">
+  <p:cSld>
+    <p:spTree>
+      <p:nvGrpSpPr>
+        <p:cNvPr id="1" name=""/>
+        <p:cNvGrpSpPr/>
+        <p:nvPr/>
+      </p:nvGrpSpPr>
+      <p:grpSpPr>
+        <a:xfrm>
+          <a:off x="0" y="0"/>
+          <a:ext cx="0" cy="0"/>
+          <a:chOff x="0" y="0"/>
+          <a:chExt cx="0" cy="0"/>
+        </a:xfrm>
+      </p:grpSpPr>
+      <p:sp>
+        <p:nvSpPr>
+          <p:cNvPr id="2" name="タイトル 1"/>
+          <p:cNvSpPr>
+            <a:spLocks noGrp="1"/>
+          </p:cNvSpPr>
+          <p:nvPr>
+            <p:ph type="title"/>
+          </p:nvPr>
+        </p:nvSpPr>
+        <p:spPr/>
+        <p:txBody>
+          <a:bodyPr/>
+          <a:lstStyle/>
+          <a:p>
+            <a:r>
+              <a:rPr kumimoji="1" lang="ja-JP" altLang="en-US" dirty="0" smtClean="0"/>
+              <a:t>自己紹介</a:t>
+            </a:r>
+            <a:endParaRPr kumimoji="1" lang="ja-JP" altLang="en-US" dirty="0"/>
+          </a:p>
+        </p:txBody>
+      </p:sp>
+      <p:sp>
+        <p:nvSpPr>
+          <p:cNvPr id="3" name="コンテンツ プレースホルダー 2"/>
+          <p:cNvSpPr>
+            <a:spLocks noGrp="1"/>
+          </p:cNvSpPr>
+          <p:nvPr>
+            <p:ph idx="1"/>
+          </p:nvPr>
+        </p:nvSpPr>
+        <p:spPr/>
+        <p:txBody>
+          <a:bodyPr/>
+          <a:lstStyle/>
+          <a:p>
+            <a:r>
+              <a:rPr kumimoji="1" lang="ja-JP" altLang="en-US" dirty="0" smtClean="0"/>
+              <a:t>プログラマしてます</a:t>
+            </a:r>
+            <a:endParaRPr kumimoji="1" lang="en-US" altLang="ja-JP" dirty="0" smtClean="0"/>
+          </a:p>
+          <a:p>
+            <a:pPr lvl="1"/>
+            <a:r>
+              <a:rPr lang="ja-JP" altLang="en-US" dirty="0"/>
+              <a:t>パソコン→家庭用ゲーム機→携帯サイト→</a:t>
+            </a:r>
+            <a:r>
+              <a:rPr lang="en-US" altLang="ja-JP" dirty="0"/>
+              <a:t>iPhone</a:t>
+            </a:r>
+            <a:r>
+              <a:rPr lang="ja-JP" altLang="en-US" dirty="0"/>
+              <a:t>アプリ→専門学校</a:t>
+            </a:r>
+            <a:r>
+              <a:rPr lang="ja-JP" altLang="en-US" dirty="0" smtClean="0"/>
+              <a:t>講師</a:t>
+            </a:r>
+            <a:r>
+              <a:rPr lang="en-US" altLang="ja-JP" dirty="0" smtClean="0"/>
+              <a:t>×2</a:t>
+            </a:r>
+          </a:p>
+          <a:p>
+            <a:pPr lvl="1"/>
+            <a:r>
+              <a:rPr kumimoji="1" lang="en-US" altLang="ja-JP" dirty="0" smtClean="0"/>
+              <a:t>twitter: @5mingame2</a:t>
+            </a:r>
+          </a:p>
+          <a:p>
+            <a:pPr lvl="1"/>
+            <a:r>
+              <a:rPr lang="en-US" altLang="ja-JP" dirty="0" smtClean="0"/>
+              <a:t>Facebook: facebook.com/5mingame2</a:t>
+            </a:r>
+            <a:endParaRPr kumimoji="1" lang="en-US" altLang="ja-JP" dirty="0" smtClean="0"/>
+          </a:p>
+        </p:txBody>
+      </p:sp>
+    </p:spTree>
+    <p:extLst>
+      <p:ext uri="{BB962C8B-B14F-4D97-AF65-F5344CB8AC3E}">
+        <p14:creationId xmlns:p14="http://schemas.microsoft.com/office/powerpoint/2010/main" val="3657229511"/>
+      </p:ext>
+    </p:extLst>
+  </p:cSld>
+  <p:clrMapOvr>
+    <a:masterClrMapping/>
+  </p:clrMapOvr>
+  <p:timing>
+    <p:tnLst>
+      <p:par>
+        <p:cTn id="1" dur="indefinite" restart="never" nodeType="tmRoot"/>
+      </p:par>
+    </p:tnLst>
+  </p:timing>
+</p:sld>
+</file>
+
+<file path=ppt/slides/slide20.xml><?xml version="1.0" encoding="utf-8"?>
 <p:sld xmlns:a="http://schemas.openxmlformats.org/drawingml/2006/main" xmlns:r="http://schemas.openxmlformats.org/officeDocument/2006/relationships" xmlns:p="http://schemas.openxmlformats.org/presentationml/2006/main">
   <p:cSld>
     <p:spTree>
@@ -4836,128 +5042,7 @@
 </p:sld>
 </file>
 
-<file path=ppt/slides/slide2.xml><?xml version="1.0" encoding="utf-8"?>
-<p:sld xmlns:a="http://schemas.openxmlformats.org/drawingml/2006/main" xmlns:r="http://schemas.openxmlformats.org/officeDocument/2006/relationships" xmlns:p="http://schemas.openxmlformats.org/presentationml/2006/main">
-  <p:cSld>
-    <p:spTree>
-      <p:nvGrpSpPr>
-        <p:cNvPr id="1" name=""/>
-        <p:cNvGrpSpPr/>
-        <p:nvPr/>
-      </p:nvGrpSpPr>
-      <p:grpSpPr>
-        <a:xfrm>
-          <a:off x="0" y="0"/>
-          <a:ext cx="0" cy="0"/>
-          <a:chOff x="0" y="0"/>
-          <a:chExt cx="0" cy="0"/>
-        </a:xfrm>
-      </p:grpSpPr>
-      <p:sp>
-        <p:nvSpPr>
-          <p:cNvPr id="2" name="タイトル 1"/>
-          <p:cNvSpPr>
-            <a:spLocks noGrp="1"/>
-          </p:cNvSpPr>
-          <p:nvPr>
-            <p:ph type="title"/>
-          </p:nvPr>
-        </p:nvSpPr>
-        <p:spPr/>
-        <p:txBody>
-          <a:bodyPr/>
-          <a:lstStyle/>
-          <a:p>
-            <a:r>
-              <a:rPr kumimoji="1" lang="ja-JP" altLang="en-US" dirty="0" smtClean="0"/>
-              <a:t>自己紹介</a:t>
-            </a:r>
-            <a:endParaRPr kumimoji="1" lang="ja-JP" altLang="en-US" dirty="0"/>
-          </a:p>
-        </p:txBody>
-      </p:sp>
-      <p:sp>
-        <p:nvSpPr>
-          <p:cNvPr id="3" name="コンテンツ プレースホルダー 2"/>
-          <p:cNvSpPr>
-            <a:spLocks noGrp="1"/>
-          </p:cNvSpPr>
-          <p:nvPr>
-            <p:ph idx="1"/>
-          </p:nvPr>
-        </p:nvSpPr>
-        <p:spPr/>
-        <p:txBody>
-          <a:bodyPr/>
-          <a:lstStyle/>
-          <a:p>
-            <a:r>
-              <a:rPr kumimoji="1" lang="ja-JP" altLang="en-US" dirty="0" smtClean="0"/>
-              <a:t>プログラマしてます</a:t>
-            </a:r>
-            <a:endParaRPr kumimoji="1" lang="en-US" altLang="ja-JP" dirty="0" smtClean="0"/>
-          </a:p>
-          <a:p>
-            <a:pPr lvl="1"/>
-            <a:r>
-              <a:rPr lang="ja-JP" altLang="en-US" dirty="0"/>
-              <a:t>パソコン→家庭用ゲーム機→携帯サイト→</a:t>
-            </a:r>
-            <a:r>
-              <a:rPr lang="en-US" altLang="ja-JP" dirty="0"/>
-              <a:t>iPhone</a:t>
-            </a:r>
-            <a:r>
-              <a:rPr lang="ja-JP" altLang="en-US" dirty="0"/>
-              <a:t>アプリ→専門学校</a:t>
-            </a:r>
-            <a:r>
-              <a:rPr lang="ja-JP" altLang="en-US" dirty="0" smtClean="0"/>
-              <a:t>講師</a:t>
-            </a:r>
-            <a:r>
-              <a:rPr lang="en-US" altLang="ja-JP" dirty="0" smtClean="0"/>
-              <a:t>×2</a:t>
-            </a:r>
-          </a:p>
-          <a:p>
-            <a:pPr lvl="1"/>
-            <a:r>
-              <a:rPr kumimoji="1" lang="en-US" altLang="ja-JP" dirty="0" smtClean="0"/>
-              <a:t>twitter: @5mingame2</a:t>
-            </a:r>
-          </a:p>
-          <a:p>
-            <a:pPr lvl="1"/>
-            <a:r>
-              <a:rPr lang="en-US" altLang="ja-JP" dirty="0" smtClean="0"/>
-              <a:t>Facebook: facebook.com/5mingame2</a:t>
-            </a:r>
-            <a:endParaRPr kumimoji="1" lang="en-US" altLang="ja-JP" dirty="0" smtClean="0"/>
-          </a:p>
-        </p:txBody>
-      </p:sp>
-    </p:spTree>
-    <p:extLst>
-      <p:ext uri="{BB962C8B-B14F-4D97-AF65-F5344CB8AC3E}">
-        <p14:creationId xmlns:p14="http://schemas.microsoft.com/office/powerpoint/2010/main" val="3657229511"/>
-      </p:ext>
-    </p:extLst>
-  </p:cSld>
-  <p:clrMapOvr>
-    <a:masterClrMapping/>
-  </p:clrMapOvr>
-  <p:timing>
-    <p:tnLst>
-      <p:par>
-        <p:cTn id="1" dur="indefinite" restart="never" nodeType="tmRoot"/>
-      </p:par>
-    </p:tnLst>
-  </p:timing>
-</p:sld>
-</file>
-
-<file path=ppt/slides/slide20.xml><?xml version="1.0" encoding="utf-8"?>
+<file path=ppt/slides/slide21.xml><?xml version="1.0" encoding="utf-8"?>
 <p:sld xmlns:a="http://schemas.openxmlformats.org/drawingml/2006/main" xmlns:r="http://schemas.openxmlformats.org/officeDocument/2006/relationships" xmlns:p="http://schemas.openxmlformats.org/presentationml/2006/main">
   <p:cSld>
     <p:spTree>
@@ -5110,7 +5195,7 @@
 </p:sld>
 </file>
 
-<file path=ppt/slides/slide21.xml><?xml version="1.0" encoding="utf-8"?>
+<file path=ppt/slides/slide22.xml><?xml version="1.0" encoding="utf-8"?>
 <p:sld xmlns:a="http://schemas.openxmlformats.org/drawingml/2006/main" xmlns:r="http://schemas.openxmlformats.org/officeDocument/2006/relationships" xmlns:p="http://schemas.openxmlformats.org/presentationml/2006/main">
   <p:cSld>
     <p:spTree>
@@ -5215,7 +5300,7 @@
 </p:sld>
 </file>
 
-<file path=ppt/slides/slide22.xml><?xml version="1.0" encoding="utf-8"?>
+<file path=ppt/slides/slide23.xml><?xml version="1.0" encoding="utf-8"?>
 <p:sld xmlns:a="http://schemas.openxmlformats.org/drawingml/2006/main" xmlns:r="http://schemas.openxmlformats.org/officeDocument/2006/relationships" xmlns:p="http://schemas.openxmlformats.org/presentationml/2006/main">
   <p:cSld>
     <p:spTree>
@@ -5492,22 +5577,14 @@
           <a:p>
             <a:r>
               <a:rPr lang="ja-JP" altLang="en-US" dirty="0" smtClean="0"/>
-              <a:t>今回挑戦</a:t>
-            </a:r>
+              <a:t>今回挑戦したこと</a:t>
+            </a:r>
+            <a:endParaRPr lang="en-US" altLang="ja-JP" dirty="0" smtClean="0"/>
+          </a:p>
+          <a:p>
             <a:r>
               <a:rPr lang="ja-JP" altLang="en-US" dirty="0" smtClean="0"/>
-              <a:t>したこと</a:t>
-            </a:r>
-            <a:endParaRPr lang="en-US" altLang="ja-JP" dirty="0" smtClean="0"/>
-          </a:p>
-          <a:p>
-            <a:r>
-              <a:rPr lang="ja-JP" altLang="en-US" dirty="0" smtClean="0"/>
-              <a:t>拙作</a:t>
-            </a:r>
-            <a:r>
-              <a:rPr lang="ja-JP" altLang="en-US" dirty="0" smtClean="0"/>
-              <a:t>レイトレーサーについ</a:t>
+              <a:t>拙作レイトレーサーについ</a:t>
             </a:r>
             <a:r>
               <a:rPr lang="ja-JP" altLang="en-US" dirty="0"/>
